--- a/vaccination diagram.pptx
+++ b/vaccination diagram.pptx
@@ -2,18 +2,18 @@
 <file path=ppt/presentation.xml><?xml version="1.0" encoding="utf-8"?>
 <p:presentation xmlns:a="http://schemas.openxmlformats.org/drawingml/2006/main" xmlns:r="http://schemas.openxmlformats.org/officeDocument/2006/relationships" xmlns:p="http://schemas.openxmlformats.org/presentationml/2006/main" saveSubsetFonts="1">
   <p:sldMasterIdLst>
-    <p:sldMasterId id="2147483648" r:id="rId1"/>
+    <p:sldMasterId id="2147483672" r:id="rId1"/>
   </p:sldMasterIdLst>
   <p:sldIdLst>
     <p:sldId id="256" r:id="rId2"/>
   </p:sldIdLst>
-  <p:sldSz cx="12192000" cy="6858000"/>
+  <p:sldSz cx="9720263" cy="3600450"/>
   <p:notesSz cx="6858000" cy="9144000"/>
   <p:defaultTextStyle>
     <a:defPPr>
-      <a:defRPr lang="nl-NL"/>
+      <a:defRPr lang="en-US"/>
     </a:defPPr>
-    <a:lvl1pPr marL="0" algn="l" defTabSz="914400" rtl="0" eaLnBrk="1" latinLnBrk="0" hangingPunct="1">
+    <a:lvl1pPr marL="0" algn="l" defTabSz="457200" rtl="0" eaLnBrk="1" latinLnBrk="0" hangingPunct="1">
       <a:defRPr sz="1800" kern="1200">
         <a:solidFill>
           <a:schemeClr val="tx1"/>
@@ -23,7 +23,7 @@
         <a:cs typeface="+mn-cs"/>
       </a:defRPr>
     </a:lvl1pPr>
-    <a:lvl2pPr marL="457200" algn="l" defTabSz="914400" rtl="0" eaLnBrk="1" latinLnBrk="0" hangingPunct="1">
+    <a:lvl2pPr marL="457200" algn="l" defTabSz="457200" rtl="0" eaLnBrk="1" latinLnBrk="0" hangingPunct="1">
       <a:defRPr sz="1800" kern="1200">
         <a:solidFill>
           <a:schemeClr val="tx1"/>
@@ -33,7 +33,7 @@
         <a:cs typeface="+mn-cs"/>
       </a:defRPr>
     </a:lvl2pPr>
-    <a:lvl3pPr marL="914400" algn="l" defTabSz="914400" rtl="0" eaLnBrk="1" latinLnBrk="0" hangingPunct="1">
+    <a:lvl3pPr marL="914400" algn="l" defTabSz="457200" rtl="0" eaLnBrk="1" latinLnBrk="0" hangingPunct="1">
       <a:defRPr sz="1800" kern="1200">
         <a:solidFill>
           <a:schemeClr val="tx1"/>
@@ -43,7 +43,7 @@
         <a:cs typeface="+mn-cs"/>
       </a:defRPr>
     </a:lvl3pPr>
-    <a:lvl4pPr marL="1371600" algn="l" defTabSz="914400" rtl="0" eaLnBrk="1" latinLnBrk="0" hangingPunct="1">
+    <a:lvl4pPr marL="1371600" algn="l" defTabSz="457200" rtl="0" eaLnBrk="1" latinLnBrk="0" hangingPunct="1">
       <a:defRPr sz="1800" kern="1200">
         <a:solidFill>
           <a:schemeClr val="tx1"/>
@@ -53,7 +53,7 @@
         <a:cs typeface="+mn-cs"/>
       </a:defRPr>
     </a:lvl4pPr>
-    <a:lvl5pPr marL="1828800" algn="l" defTabSz="914400" rtl="0" eaLnBrk="1" latinLnBrk="0" hangingPunct="1">
+    <a:lvl5pPr marL="1828800" algn="l" defTabSz="457200" rtl="0" eaLnBrk="1" latinLnBrk="0" hangingPunct="1">
       <a:defRPr sz="1800" kern="1200">
         <a:solidFill>
           <a:schemeClr val="tx1"/>
@@ -63,7 +63,7 @@
         <a:cs typeface="+mn-cs"/>
       </a:defRPr>
     </a:lvl5pPr>
-    <a:lvl6pPr marL="2286000" algn="l" defTabSz="914400" rtl="0" eaLnBrk="1" latinLnBrk="0" hangingPunct="1">
+    <a:lvl6pPr marL="2286000" algn="l" defTabSz="457200" rtl="0" eaLnBrk="1" latinLnBrk="0" hangingPunct="1">
       <a:defRPr sz="1800" kern="1200">
         <a:solidFill>
           <a:schemeClr val="tx1"/>
@@ -73,7 +73,7 @@
         <a:cs typeface="+mn-cs"/>
       </a:defRPr>
     </a:lvl6pPr>
-    <a:lvl7pPr marL="2743200" algn="l" defTabSz="914400" rtl="0" eaLnBrk="1" latinLnBrk="0" hangingPunct="1">
+    <a:lvl7pPr marL="2743200" algn="l" defTabSz="457200" rtl="0" eaLnBrk="1" latinLnBrk="0" hangingPunct="1">
       <a:defRPr sz="1800" kern="1200">
         <a:solidFill>
           <a:schemeClr val="tx1"/>
@@ -83,7 +83,7 @@
         <a:cs typeface="+mn-cs"/>
       </a:defRPr>
     </a:lvl7pPr>
-    <a:lvl8pPr marL="3200400" algn="l" defTabSz="914400" rtl="0" eaLnBrk="1" latinLnBrk="0" hangingPunct="1">
+    <a:lvl8pPr marL="3200400" algn="l" defTabSz="457200" rtl="0" eaLnBrk="1" latinLnBrk="0" hangingPunct="1">
       <a:defRPr sz="1800" kern="1200">
         <a:solidFill>
           <a:schemeClr val="tx1"/>
@@ -93,7 +93,7 @@
         <a:cs typeface="+mn-cs"/>
       </a:defRPr>
     </a:lvl8pPr>
-    <a:lvl9pPr marL="3657600" algn="l" defTabSz="914400" rtl="0" eaLnBrk="1" latinLnBrk="0" hangingPunct="1">
+    <a:lvl9pPr marL="3657600" algn="l" defTabSz="457200" rtl="0" eaLnBrk="1" latinLnBrk="0" hangingPunct="1">
       <a:defRPr sz="1800" kern="1200">
         <a:solidFill>
           <a:schemeClr val="tx1"/>
@@ -131,13 +131,7 @@
       </p:grpSpPr>
       <p:sp>
         <p:nvSpPr>
-          <p:cNvPr id="2" name="Title 1">
-            <a:extLst>
-              <a:ext uri="{FF2B5EF4-FFF2-40B4-BE49-F238E27FC236}">
-                <a16:creationId xmlns:a16="http://schemas.microsoft.com/office/drawing/2014/main" id="{44F162B6-D182-D621-E639-BA00E3BFD19C}"/>
-              </a:ext>
-            </a:extLst>
-          </p:cNvPr>
+          <p:cNvPr id="2" name="Title 1"/>
           <p:cNvSpPr>
             <a:spLocks noGrp="1"/>
           </p:cNvSpPr>
@@ -147,15 +141,15 @@
         </p:nvSpPr>
         <p:spPr>
           <a:xfrm>
-            <a:off x="1524000" y="1122363"/>
-            <a:ext cx="9144000" cy="2387600"/>
+            <a:off x="1215033" y="589241"/>
+            <a:ext cx="7290197" cy="1253490"/>
           </a:xfrm>
         </p:spPr>
         <p:txBody>
           <a:bodyPr anchor="b"/>
           <a:lstStyle>
             <a:lvl1pPr algn="ctr">
-              <a:defRPr sz="6000"/>
+              <a:defRPr sz="3150"/>
             </a:lvl1pPr>
           </a:lstStyle>
           <a:p>
@@ -163,19 +157,13 @@
               <a:rPr lang="en-US"/>
               <a:t>Click to edit Master title style</a:t>
             </a:r>
-            <a:endParaRPr lang="nl-NL"/>
-          </a:p>
-        </p:txBody>
-      </p:sp>
-      <p:sp>
-        <p:nvSpPr>
-          <p:cNvPr id="3" name="Subtitle 2">
-            <a:extLst>
-              <a:ext uri="{FF2B5EF4-FFF2-40B4-BE49-F238E27FC236}">
-                <a16:creationId xmlns:a16="http://schemas.microsoft.com/office/drawing/2014/main" id="{7B1DFA6F-B0A2-F836-7FED-E68FC8EEB869}"/>
-              </a:ext>
-            </a:extLst>
-          </p:cNvPr>
+            <a:endParaRPr lang="en-US" dirty="0"/>
+          </a:p>
+        </p:txBody>
+      </p:sp>
+      <p:sp>
+        <p:nvSpPr>
+          <p:cNvPr id="3" name="Subtitle 2"/>
           <p:cNvSpPr>
             <a:spLocks noGrp="1"/>
           </p:cNvSpPr>
@@ -185,8 +173,8 @@
         </p:nvSpPr>
         <p:spPr>
           <a:xfrm>
-            <a:off x="1524000" y="3602038"/>
-            <a:ext cx="9144000" cy="1655762"/>
+            <a:off x="1215033" y="1891070"/>
+            <a:ext cx="7290197" cy="869275"/>
           </a:xfrm>
         </p:spPr>
         <p:txBody>
@@ -194,39 +182,39 @@
           <a:lstStyle>
             <a:lvl1pPr marL="0" indent="0" algn="ctr">
               <a:buNone/>
-              <a:defRPr sz="2400"/>
+              <a:defRPr sz="1260"/>
             </a:lvl1pPr>
-            <a:lvl2pPr marL="457200" indent="0" algn="ctr">
-              <a:buNone/>
-              <a:defRPr sz="2000"/>
+            <a:lvl2pPr marL="240030" indent="0" algn="ctr">
+              <a:buNone/>
+              <a:defRPr sz="1050"/>
             </a:lvl2pPr>
-            <a:lvl3pPr marL="914400" indent="0" algn="ctr">
-              <a:buNone/>
-              <a:defRPr sz="1800"/>
+            <a:lvl3pPr marL="480060" indent="0" algn="ctr">
+              <a:buNone/>
+              <a:defRPr sz="945"/>
             </a:lvl3pPr>
-            <a:lvl4pPr marL="1371600" indent="0" algn="ctr">
-              <a:buNone/>
-              <a:defRPr sz="1600"/>
+            <a:lvl4pPr marL="720090" indent="0" algn="ctr">
+              <a:buNone/>
+              <a:defRPr sz="840"/>
             </a:lvl4pPr>
-            <a:lvl5pPr marL="1828800" indent="0" algn="ctr">
-              <a:buNone/>
-              <a:defRPr sz="1600"/>
+            <a:lvl5pPr marL="960120" indent="0" algn="ctr">
+              <a:buNone/>
+              <a:defRPr sz="840"/>
             </a:lvl5pPr>
-            <a:lvl6pPr marL="2286000" indent="0" algn="ctr">
-              <a:buNone/>
-              <a:defRPr sz="1600"/>
+            <a:lvl6pPr marL="1200150" indent="0" algn="ctr">
+              <a:buNone/>
+              <a:defRPr sz="840"/>
             </a:lvl6pPr>
-            <a:lvl7pPr marL="2743200" indent="0" algn="ctr">
-              <a:buNone/>
-              <a:defRPr sz="1600"/>
+            <a:lvl7pPr marL="1440180" indent="0" algn="ctr">
+              <a:buNone/>
+              <a:defRPr sz="840"/>
             </a:lvl7pPr>
-            <a:lvl8pPr marL="3200400" indent="0" algn="ctr">
-              <a:buNone/>
-              <a:defRPr sz="1600"/>
+            <a:lvl8pPr marL="1680210" indent="0" algn="ctr">
+              <a:buNone/>
+              <a:defRPr sz="840"/>
             </a:lvl8pPr>
-            <a:lvl9pPr marL="3657600" indent="0" algn="ctr">
-              <a:buNone/>
-              <a:defRPr sz="1600"/>
+            <a:lvl9pPr marL="1920240" indent="0" algn="ctr">
+              <a:buNone/>
+              <a:defRPr sz="840"/>
             </a:lvl9pPr>
           </a:lstStyle>
           <a:p>
@@ -234,19 +222,13 @@
               <a:rPr lang="en-US"/>
               <a:t>Click to edit Master subtitle style</a:t>
             </a:r>
-            <a:endParaRPr lang="nl-NL"/>
-          </a:p>
-        </p:txBody>
-      </p:sp>
-      <p:sp>
-        <p:nvSpPr>
-          <p:cNvPr id="4" name="Date Placeholder 3">
-            <a:extLst>
-              <a:ext uri="{FF2B5EF4-FFF2-40B4-BE49-F238E27FC236}">
-                <a16:creationId xmlns:a16="http://schemas.microsoft.com/office/drawing/2014/main" id="{28BE793D-6168-F011-7610-EFD8659BC9F0}"/>
-              </a:ext>
-            </a:extLst>
-          </p:cNvPr>
+            <a:endParaRPr lang="en-US" dirty="0"/>
+          </a:p>
+        </p:txBody>
+      </p:sp>
+      <p:sp>
+        <p:nvSpPr>
+          <p:cNvPr id="4" name="Date Placeholder 3"/>
           <p:cNvSpPr>
             <a:spLocks noGrp="1"/>
           </p:cNvSpPr>
@@ -269,13 +251,7 @@
       </p:sp>
       <p:sp>
         <p:nvSpPr>
-          <p:cNvPr id="5" name="Footer Placeholder 4">
-            <a:extLst>
-              <a:ext uri="{FF2B5EF4-FFF2-40B4-BE49-F238E27FC236}">
-                <a16:creationId xmlns:a16="http://schemas.microsoft.com/office/drawing/2014/main" id="{CA13A9E7-AD28-FA23-F065-573A651F71AC}"/>
-              </a:ext>
-            </a:extLst>
-          </p:cNvPr>
+          <p:cNvPr id="5" name="Footer Placeholder 4"/>
           <p:cNvSpPr>
             <a:spLocks noGrp="1"/>
           </p:cNvSpPr>
@@ -294,13 +270,7 @@
       </p:sp>
       <p:sp>
         <p:nvSpPr>
-          <p:cNvPr id="6" name="Slide Number Placeholder 5">
-            <a:extLst>
-              <a:ext uri="{FF2B5EF4-FFF2-40B4-BE49-F238E27FC236}">
-                <a16:creationId xmlns:a16="http://schemas.microsoft.com/office/drawing/2014/main" id="{BB7FF363-7942-604F-68B0-802C886AA9B3}"/>
-              </a:ext>
-            </a:extLst>
-          </p:cNvPr>
+          <p:cNvPr id="6" name="Slide Number Placeholder 5"/>
           <p:cNvSpPr>
             <a:spLocks noGrp="1"/>
           </p:cNvSpPr>
@@ -324,7 +294,7 @@
     </p:spTree>
     <p:extLst>
       <p:ext uri="{BB962C8B-B14F-4D97-AF65-F5344CB8AC3E}">
-        <p14:creationId xmlns:p14="http://schemas.microsoft.com/office/powerpoint/2010/main" val="1017016481"/>
+        <p14:creationId xmlns:p14="http://schemas.microsoft.com/office/powerpoint/2010/main" val="239588685"/>
       </p:ext>
     </p:extLst>
   </p:cSld>
@@ -353,13 +323,7 @@
       </p:grpSpPr>
       <p:sp>
         <p:nvSpPr>
-          <p:cNvPr id="2" name="Title 1">
-            <a:extLst>
-              <a:ext uri="{FF2B5EF4-FFF2-40B4-BE49-F238E27FC236}">
-                <a16:creationId xmlns:a16="http://schemas.microsoft.com/office/drawing/2014/main" id="{BDD36562-4EC8-C585-3237-7698A7A46899}"/>
-              </a:ext>
-            </a:extLst>
-          </p:cNvPr>
+          <p:cNvPr id="2" name="Title 1"/>
           <p:cNvSpPr>
             <a:spLocks noGrp="1"/>
           </p:cNvSpPr>
@@ -376,19 +340,13 @@
               <a:rPr lang="en-US"/>
               <a:t>Click to edit Master title style</a:t>
             </a:r>
-            <a:endParaRPr lang="nl-NL"/>
-          </a:p>
-        </p:txBody>
-      </p:sp>
-      <p:sp>
-        <p:nvSpPr>
-          <p:cNvPr id="3" name="Vertical Text Placeholder 2">
-            <a:extLst>
-              <a:ext uri="{FF2B5EF4-FFF2-40B4-BE49-F238E27FC236}">
-                <a16:creationId xmlns:a16="http://schemas.microsoft.com/office/drawing/2014/main" id="{8BC5B822-2302-FC32-4E07-2366BC9244B6}"/>
-              </a:ext>
-            </a:extLst>
-          </p:cNvPr>
+            <a:endParaRPr lang="en-US" dirty="0"/>
+          </a:p>
+        </p:txBody>
+      </p:sp>
+      <p:sp>
+        <p:nvSpPr>
+          <p:cNvPr id="3" name="Vertical Text Placeholder 2"/>
           <p:cNvSpPr>
             <a:spLocks noGrp="1"/>
           </p:cNvSpPr>
@@ -434,19 +392,13 @@
               <a:rPr lang="en-US"/>
               <a:t>Fifth level</a:t>
             </a:r>
-            <a:endParaRPr lang="nl-NL"/>
-          </a:p>
-        </p:txBody>
-      </p:sp>
-      <p:sp>
-        <p:nvSpPr>
-          <p:cNvPr id="4" name="Date Placeholder 3">
-            <a:extLst>
-              <a:ext uri="{FF2B5EF4-FFF2-40B4-BE49-F238E27FC236}">
-                <a16:creationId xmlns:a16="http://schemas.microsoft.com/office/drawing/2014/main" id="{B3186CD7-3EBD-0824-3BA5-00921DBFE4B5}"/>
-              </a:ext>
-            </a:extLst>
-          </p:cNvPr>
+            <a:endParaRPr lang="en-US" dirty="0"/>
+          </a:p>
+        </p:txBody>
+      </p:sp>
+      <p:sp>
+        <p:nvSpPr>
+          <p:cNvPr id="4" name="Date Placeholder 3"/>
           <p:cNvSpPr>
             <a:spLocks noGrp="1"/>
           </p:cNvSpPr>
@@ -469,13 +421,7 @@
       </p:sp>
       <p:sp>
         <p:nvSpPr>
-          <p:cNvPr id="5" name="Footer Placeholder 4">
-            <a:extLst>
-              <a:ext uri="{FF2B5EF4-FFF2-40B4-BE49-F238E27FC236}">
-                <a16:creationId xmlns:a16="http://schemas.microsoft.com/office/drawing/2014/main" id="{6AD68010-668E-290A-4E41-33A4A8B8E08A}"/>
-              </a:ext>
-            </a:extLst>
-          </p:cNvPr>
+          <p:cNvPr id="5" name="Footer Placeholder 4"/>
           <p:cNvSpPr>
             <a:spLocks noGrp="1"/>
           </p:cNvSpPr>
@@ -494,13 +440,7 @@
       </p:sp>
       <p:sp>
         <p:nvSpPr>
-          <p:cNvPr id="6" name="Slide Number Placeholder 5">
-            <a:extLst>
-              <a:ext uri="{FF2B5EF4-FFF2-40B4-BE49-F238E27FC236}">
-                <a16:creationId xmlns:a16="http://schemas.microsoft.com/office/drawing/2014/main" id="{9B38AAEC-8879-1437-3F83-C4A0517CEE1A}"/>
-              </a:ext>
-            </a:extLst>
-          </p:cNvPr>
+          <p:cNvPr id="6" name="Slide Number Placeholder 5"/>
           <p:cNvSpPr>
             <a:spLocks noGrp="1"/>
           </p:cNvSpPr>
@@ -524,7 +464,7 @@
     </p:spTree>
     <p:extLst>
       <p:ext uri="{BB962C8B-B14F-4D97-AF65-F5344CB8AC3E}">
-        <p14:creationId xmlns:p14="http://schemas.microsoft.com/office/powerpoint/2010/main" val="1915721993"/>
+        <p14:creationId xmlns:p14="http://schemas.microsoft.com/office/powerpoint/2010/main" val="3770777235"/>
       </p:ext>
     </p:extLst>
   </p:cSld>
@@ -553,13 +493,7 @@
       </p:grpSpPr>
       <p:sp>
         <p:nvSpPr>
-          <p:cNvPr id="2" name="Vertical Title 1">
-            <a:extLst>
-              <a:ext uri="{FF2B5EF4-FFF2-40B4-BE49-F238E27FC236}">
-                <a16:creationId xmlns:a16="http://schemas.microsoft.com/office/drawing/2014/main" id="{2A723938-FD12-7FB4-0B85-234C986F4476}"/>
-              </a:ext>
-            </a:extLst>
-          </p:cNvPr>
+          <p:cNvPr id="2" name="Vertical Title 1"/>
           <p:cNvSpPr>
             <a:spLocks noGrp="1"/>
           </p:cNvSpPr>
@@ -569,8 +503,8 @@
         </p:nvSpPr>
         <p:spPr>
           <a:xfrm>
-            <a:off x="8724900" y="365125"/>
-            <a:ext cx="2628900" cy="5811838"/>
+            <a:off x="6956063" y="191691"/>
+            <a:ext cx="2095932" cy="3051215"/>
           </a:xfrm>
         </p:spPr>
         <p:txBody>
@@ -581,19 +515,13 @@
               <a:rPr lang="en-US"/>
               <a:t>Click to edit Master title style</a:t>
             </a:r>
-            <a:endParaRPr lang="nl-NL"/>
-          </a:p>
-        </p:txBody>
-      </p:sp>
-      <p:sp>
-        <p:nvSpPr>
-          <p:cNvPr id="3" name="Vertical Text Placeholder 2">
-            <a:extLst>
-              <a:ext uri="{FF2B5EF4-FFF2-40B4-BE49-F238E27FC236}">
-                <a16:creationId xmlns:a16="http://schemas.microsoft.com/office/drawing/2014/main" id="{C20B6FBD-3C39-80EC-4C81-A704573548F9}"/>
-              </a:ext>
-            </a:extLst>
-          </p:cNvPr>
+            <a:endParaRPr lang="en-US" dirty="0"/>
+          </a:p>
+        </p:txBody>
+      </p:sp>
+      <p:sp>
+        <p:nvSpPr>
+          <p:cNvPr id="3" name="Vertical Text Placeholder 2"/>
           <p:cNvSpPr>
             <a:spLocks noGrp="1"/>
           </p:cNvSpPr>
@@ -603,8 +531,8 @@
         </p:nvSpPr>
         <p:spPr>
           <a:xfrm>
-            <a:off x="838200" y="365125"/>
-            <a:ext cx="7734300" cy="5811838"/>
+            <a:off x="668268" y="191691"/>
+            <a:ext cx="6166292" cy="3051215"/>
           </a:xfrm>
         </p:spPr>
         <p:txBody>
@@ -644,19 +572,13 @@
               <a:rPr lang="en-US"/>
               <a:t>Fifth level</a:t>
             </a:r>
-            <a:endParaRPr lang="nl-NL"/>
-          </a:p>
-        </p:txBody>
-      </p:sp>
-      <p:sp>
-        <p:nvSpPr>
-          <p:cNvPr id="4" name="Date Placeholder 3">
-            <a:extLst>
-              <a:ext uri="{FF2B5EF4-FFF2-40B4-BE49-F238E27FC236}">
-                <a16:creationId xmlns:a16="http://schemas.microsoft.com/office/drawing/2014/main" id="{0CBF6C35-9C6F-6262-AEEB-46818F0AEF03}"/>
-              </a:ext>
-            </a:extLst>
-          </p:cNvPr>
+            <a:endParaRPr lang="en-US" dirty="0"/>
+          </a:p>
+        </p:txBody>
+      </p:sp>
+      <p:sp>
+        <p:nvSpPr>
+          <p:cNvPr id="4" name="Date Placeholder 3"/>
           <p:cNvSpPr>
             <a:spLocks noGrp="1"/>
           </p:cNvSpPr>
@@ -679,13 +601,7 @@
       </p:sp>
       <p:sp>
         <p:nvSpPr>
-          <p:cNvPr id="5" name="Footer Placeholder 4">
-            <a:extLst>
-              <a:ext uri="{FF2B5EF4-FFF2-40B4-BE49-F238E27FC236}">
-                <a16:creationId xmlns:a16="http://schemas.microsoft.com/office/drawing/2014/main" id="{BD4D8DC1-0E1D-2B8F-275B-16988D0340B5}"/>
-              </a:ext>
-            </a:extLst>
-          </p:cNvPr>
+          <p:cNvPr id="5" name="Footer Placeholder 4"/>
           <p:cNvSpPr>
             <a:spLocks noGrp="1"/>
           </p:cNvSpPr>
@@ -704,13 +620,7 @@
       </p:sp>
       <p:sp>
         <p:nvSpPr>
-          <p:cNvPr id="6" name="Slide Number Placeholder 5">
-            <a:extLst>
-              <a:ext uri="{FF2B5EF4-FFF2-40B4-BE49-F238E27FC236}">
-                <a16:creationId xmlns:a16="http://schemas.microsoft.com/office/drawing/2014/main" id="{D609A667-D127-4FB5-7655-6BC644D392EA}"/>
-              </a:ext>
-            </a:extLst>
-          </p:cNvPr>
+          <p:cNvPr id="6" name="Slide Number Placeholder 5"/>
           <p:cNvSpPr>
             <a:spLocks noGrp="1"/>
           </p:cNvSpPr>
@@ -734,7 +644,7 @@
     </p:spTree>
     <p:extLst>
       <p:ext uri="{BB962C8B-B14F-4D97-AF65-F5344CB8AC3E}">
-        <p14:creationId xmlns:p14="http://schemas.microsoft.com/office/powerpoint/2010/main" val="3335838355"/>
+        <p14:creationId xmlns:p14="http://schemas.microsoft.com/office/powerpoint/2010/main" val="2847106616"/>
       </p:ext>
     </p:extLst>
   </p:cSld>
@@ -763,13 +673,7 @@
       </p:grpSpPr>
       <p:sp>
         <p:nvSpPr>
-          <p:cNvPr id="2" name="Title 1">
-            <a:extLst>
-              <a:ext uri="{FF2B5EF4-FFF2-40B4-BE49-F238E27FC236}">
-                <a16:creationId xmlns:a16="http://schemas.microsoft.com/office/drawing/2014/main" id="{C7E68069-E059-3C67-C186-AB8AE81C916C}"/>
-              </a:ext>
-            </a:extLst>
-          </p:cNvPr>
+          <p:cNvPr id="2" name="Title 1"/>
           <p:cNvSpPr>
             <a:spLocks noGrp="1"/>
           </p:cNvSpPr>
@@ -786,19 +690,13 @@
               <a:rPr lang="en-US"/>
               <a:t>Click to edit Master title style</a:t>
             </a:r>
-            <a:endParaRPr lang="nl-NL"/>
-          </a:p>
-        </p:txBody>
-      </p:sp>
-      <p:sp>
-        <p:nvSpPr>
-          <p:cNvPr id="3" name="Content Placeholder 2">
-            <a:extLst>
-              <a:ext uri="{FF2B5EF4-FFF2-40B4-BE49-F238E27FC236}">
-                <a16:creationId xmlns:a16="http://schemas.microsoft.com/office/drawing/2014/main" id="{62853F93-17CE-C11D-8635-4BE345A75B81}"/>
-              </a:ext>
-            </a:extLst>
-          </p:cNvPr>
+            <a:endParaRPr lang="en-US" dirty="0"/>
+          </a:p>
+        </p:txBody>
+      </p:sp>
+      <p:sp>
+        <p:nvSpPr>
+          <p:cNvPr id="3" name="Content Placeholder 2"/>
           <p:cNvSpPr>
             <a:spLocks noGrp="1"/>
           </p:cNvSpPr>
@@ -844,19 +742,13 @@
               <a:rPr lang="en-US"/>
               <a:t>Fifth level</a:t>
             </a:r>
-            <a:endParaRPr lang="nl-NL"/>
-          </a:p>
-        </p:txBody>
-      </p:sp>
-      <p:sp>
-        <p:nvSpPr>
-          <p:cNvPr id="4" name="Date Placeholder 3">
-            <a:extLst>
-              <a:ext uri="{FF2B5EF4-FFF2-40B4-BE49-F238E27FC236}">
-                <a16:creationId xmlns:a16="http://schemas.microsoft.com/office/drawing/2014/main" id="{7A5B3310-C3A9-04D9-2E90-92EF1A813CB6}"/>
-              </a:ext>
-            </a:extLst>
-          </p:cNvPr>
+            <a:endParaRPr lang="en-US" dirty="0"/>
+          </a:p>
+        </p:txBody>
+      </p:sp>
+      <p:sp>
+        <p:nvSpPr>
+          <p:cNvPr id="4" name="Date Placeholder 3"/>
           <p:cNvSpPr>
             <a:spLocks noGrp="1"/>
           </p:cNvSpPr>
@@ -879,13 +771,7 @@
       </p:sp>
       <p:sp>
         <p:nvSpPr>
-          <p:cNvPr id="5" name="Footer Placeholder 4">
-            <a:extLst>
-              <a:ext uri="{FF2B5EF4-FFF2-40B4-BE49-F238E27FC236}">
-                <a16:creationId xmlns:a16="http://schemas.microsoft.com/office/drawing/2014/main" id="{B2B1A553-1557-2814-292C-8AC0DF3AC354}"/>
-              </a:ext>
-            </a:extLst>
-          </p:cNvPr>
+          <p:cNvPr id="5" name="Footer Placeholder 4"/>
           <p:cNvSpPr>
             <a:spLocks noGrp="1"/>
           </p:cNvSpPr>
@@ -904,13 +790,7 @@
       </p:sp>
       <p:sp>
         <p:nvSpPr>
-          <p:cNvPr id="6" name="Slide Number Placeholder 5">
-            <a:extLst>
-              <a:ext uri="{FF2B5EF4-FFF2-40B4-BE49-F238E27FC236}">
-                <a16:creationId xmlns:a16="http://schemas.microsoft.com/office/drawing/2014/main" id="{7ABACCB7-6455-F8A9-D1AE-7FC8D02F941F}"/>
-              </a:ext>
-            </a:extLst>
-          </p:cNvPr>
+          <p:cNvPr id="6" name="Slide Number Placeholder 5"/>
           <p:cNvSpPr>
             <a:spLocks noGrp="1"/>
           </p:cNvSpPr>
@@ -934,7 +814,7 @@
     </p:spTree>
     <p:extLst>
       <p:ext uri="{BB962C8B-B14F-4D97-AF65-F5344CB8AC3E}">
-        <p14:creationId xmlns:p14="http://schemas.microsoft.com/office/powerpoint/2010/main" val="847353553"/>
+        <p14:creationId xmlns:p14="http://schemas.microsoft.com/office/powerpoint/2010/main" val="2576508613"/>
       </p:ext>
     </p:extLst>
   </p:cSld>
@@ -963,13 +843,7 @@
       </p:grpSpPr>
       <p:sp>
         <p:nvSpPr>
-          <p:cNvPr id="2" name="Title 1">
-            <a:extLst>
-              <a:ext uri="{FF2B5EF4-FFF2-40B4-BE49-F238E27FC236}">
-                <a16:creationId xmlns:a16="http://schemas.microsoft.com/office/drawing/2014/main" id="{F2B806C2-77E2-40B5-881F-84BD18EB3224}"/>
-              </a:ext>
-            </a:extLst>
-          </p:cNvPr>
+          <p:cNvPr id="2" name="Title 1"/>
           <p:cNvSpPr>
             <a:spLocks noGrp="1"/>
           </p:cNvSpPr>
@@ -979,15 +853,15 @@
         </p:nvSpPr>
         <p:spPr>
           <a:xfrm>
-            <a:off x="831850" y="1709738"/>
-            <a:ext cx="10515600" cy="2852737"/>
+            <a:off x="663205" y="897613"/>
+            <a:ext cx="8383727" cy="1497687"/>
           </a:xfrm>
         </p:spPr>
         <p:txBody>
           <a:bodyPr anchor="b"/>
           <a:lstStyle>
             <a:lvl1pPr>
-              <a:defRPr sz="6000"/>
+              <a:defRPr sz="3150"/>
             </a:lvl1pPr>
           </a:lstStyle>
           <a:p>
@@ -995,19 +869,13 @@
               <a:rPr lang="en-US"/>
               <a:t>Click to edit Master title style</a:t>
             </a:r>
-            <a:endParaRPr lang="nl-NL"/>
-          </a:p>
-        </p:txBody>
-      </p:sp>
-      <p:sp>
-        <p:nvSpPr>
-          <p:cNvPr id="3" name="Text Placeholder 2">
-            <a:extLst>
-              <a:ext uri="{FF2B5EF4-FFF2-40B4-BE49-F238E27FC236}">
-                <a16:creationId xmlns:a16="http://schemas.microsoft.com/office/drawing/2014/main" id="{DBB8239C-2F17-0267-F89B-41CC91577D3B}"/>
-              </a:ext>
-            </a:extLst>
-          </p:cNvPr>
+            <a:endParaRPr lang="en-US" dirty="0"/>
+          </a:p>
+        </p:txBody>
+      </p:sp>
+      <p:sp>
+        <p:nvSpPr>
+          <p:cNvPr id="3" name="Text Placeholder 2"/>
           <p:cNvSpPr>
             <a:spLocks noGrp="1"/>
           </p:cNvSpPr>
@@ -1017,8 +885,8 @@
         </p:nvSpPr>
         <p:spPr>
           <a:xfrm>
-            <a:off x="831850" y="4589463"/>
-            <a:ext cx="10515600" cy="1500187"/>
+            <a:off x="663205" y="2409468"/>
+            <a:ext cx="8383727" cy="787598"/>
           </a:xfrm>
         </p:spPr>
         <p:txBody>
@@ -1026,7 +894,7 @@
           <a:lstStyle>
             <a:lvl1pPr marL="0" indent="0">
               <a:buNone/>
-              <a:defRPr sz="2400">
+              <a:defRPr sz="1260">
                 <a:solidFill>
                   <a:schemeClr val="tx1">
                     <a:tint val="75000"/>
@@ -1034,9 +902,9 @@
                 </a:solidFill>
               </a:defRPr>
             </a:lvl1pPr>
-            <a:lvl2pPr marL="457200" indent="0">
-              <a:buNone/>
-              <a:defRPr sz="2000">
+            <a:lvl2pPr marL="240030" indent="0">
+              <a:buNone/>
+              <a:defRPr sz="1050">
                 <a:solidFill>
                   <a:schemeClr val="tx1">
                     <a:tint val="75000"/>
@@ -1044,9 +912,9 @@
                 </a:solidFill>
               </a:defRPr>
             </a:lvl2pPr>
-            <a:lvl3pPr marL="914400" indent="0">
-              <a:buNone/>
-              <a:defRPr sz="1800">
+            <a:lvl3pPr marL="480060" indent="0">
+              <a:buNone/>
+              <a:defRPr sz="945">
                 <a:solidFill>
                   <a:schemeClr val="tx1">
                     <a:tint val="75000"/>
@@ -1054,9 +922,9 @@
                 </a:solidFill>
               </a:defRPr>
             </a:lvl3pPr>
-            <a:lvl4pPr marL="1371600" indent="0">
-              <a:buNone/>
-              <a:defRPr sz="1600">
+            <a:lvl4pPr marL="720090" indent="0">
+              <a:buNone/>
+              <a:defRPr sz="840">
                 <a:solidFill>
                   <a:schemeClr val="tx1">
                     <a:tint val="75000"/>
@@ -1064,9 +932,9 @@
                 </a:solidFill>
               </a:defRPr>
             </a:lvl4pPr>
-            <a:lvl5pPr marL="1828800" indent="0">
-              <a:buNone/>
-              <a:defRPr sz="1600">
+            <a:lvl5pPr marL="960120" indent="0">
+              <a:buNone/>
+              <a:defRPr sz="840">
                 <a:solidFill>
                   <a:schemeClr val="tx1">
                     <a:tint val="75000"/>
@@ -1074,9 +942,9 @@
                 </a:solidFill>
               </a:defRPr>
             </a:lvl5pPr>
-            <a:lvl6pPr marL="2286000" indent="0">
-              <a:buNone/>
-              <a:defRPr sz="1600">
+            <a:lvl6pPr marL="1200150" indent="0">
+              <a:buNone/>
+              <a:defRPr sz="840">
                 <a:solidFill>
                   <a:schemeClr val="tx1">
                     <a:tint val="75000"/>
@@ -1084,9 +952,9 @@
                 </a:solidFill>
               </a:defRPr>
             </a:lvl6pPr>
-            <a:lvl7pPr marL="2743200" indent="0">
-              <a:buNone/>
-              <a:defRPr sz="1600">
+            <a:lvl7pPr marL="1440180" indent="0">
+              <a:buNone/>
+              <a:defRPr sz="840">
                 <a:solidFill>
                   <a:schemeClr val="tx1">
                     <a:tint val="75000"/>
@@ -1094,9 +962,9 @@
                 </a:solidFill>
               </a:defRPr>
             </a:lvl7pPr>
-            <a:lvl8pPr marL="3200400" indent="0">
-              <a:buNone/>
-              <a:defRPr sz="1600">
+            <a:lvl8pPr marL="1680210" indent="0">
+              <a:buNone/>
+              <a:defRPr sz="840">
                 <a:solidFill>
                   <a:schemeClr val="tx1">
                     <a:tint val="75000"/>
@@ -1104,9 +972,9 @@
                 </a:solidFill>
               </a:defRPr>
             </a:lvl8pPr>
-            <a:lvl9pPr marL="3657600" indent="0">
-              <a:buNone/>
-              <a:defRPr sz="1600">
+            <a:lvl9pPr marL="1920240" indent="0">
+              <a:buNone/>
+              <a:defRPr sz="840">
                 <a:solidFill>
                   <a:schemeClr val="tx1">
                     <a:tint val="75000"/>
@@ -1126,13 +994,7 @@
       </p:sp>
       <p:sp>
         <p:nvSpPr>
-          <p:cNvPr id="4" name="Date Placeholder 3">
-            <a:extLst>
-              <a:ext uri="{FF2B5EF4-FFF2-40B4-BE49-F238E27FC236}">
-                <a16:creationId xmlns:a16="http://schemas.microsoft.com/office/drawing/2014/main" id="{5ABCB3E2-25C6-8E6D-5704-6E529BC5D549}"/>
-              </a:ext>
-            </a:extLst>
-          </p:cNvPr>
+          <p:cNvPr id="4" name="Date Placeholder 3"/>
           <p:cNvSpPr>
             <a:spLocks noGrp="1"/>
           </p:cNvSpPr>
@@ -1155,13 +1017,7 @@
       </p:sp>
       <p:sp>
         <p:nvSpPr>
-          <p:cNvPr id="5" name="Footer Placeholder 4">
-            <a:extLst>
-              <a:ext uri="{FF2B5EF4-FFF2-40B4-BE49-F238E27FC236}">
-                <a16:creationId xmlns:a16="http://schemas.microsoft.com/office/drawing/2014/main" id="{4233E5B5-386F-0391-B8D2-0E5FCB11F950}"/>
-              </a:ext>
-            </a:extLst>
-          </p:cNvPr>
+          <p:cNvPr id="5" name="Footer Placeholder 4"/>
           <p:cNvSpPr>
             <a:spLocks noGrp="1"/>
           </p:cNvSpPr>
@@ -1180,13 +1036,7 @@
       </p:sp>
       <p:sp>
         <p:nvSpPr>
-          <p:cNvPr id="6" name="Slide Number Placeholder 5">
-            <a:extLst>
-              <a:ext uri="{FF2B5EF4-FFF2-40B4-BE49-F238E27FC236}">
-                <a16:creationId xmlns:a16="http://schemas.microsoft.com/office/drawing/2014/main" id="{7F74D314-22DD-1078-CF38-C94A177A719C}"/>
-              </a:ext>
-            </a:extLst>
-          </p:cNvPr>
+          <p:cNvPr id="6" name="Slide Number Placeholder 5"/>
           <p:cNvSpPr>
             <a:spLocks noGrp="1"/>
           </p:cNvSpPr>
@@ -1210,7 +1060,7 @@
     </p:spTree>
     <p:extLst>
       <p:ext uri="{BB962C8B-B14F-4D97-AF65-F5344CB8AC3E}">
-        <p14:creationId xmlns:p14="http://schemas.microsoft.com/office/powerpoint/2010/main" val="797632875"/>
+        <p14:creationId xmlns:p14="http://schemas.microsoft.com/office/powerpoint/2010/main" val="4094874331"/>
       </p:ext>
     </p:extLst>
   </p:cSld>
@@ -1239,13 +1089,7 @@
       </p:grpSpPr>
       <p:sp>
         <p:nvSpPr>
-          <p:cNvPr id="2" name="Title 1">
-            <a:extLst>
-              <a:ext uri="{FF2B5EF4-FFF2-40B4-BE49-F238E27FC236}">
-                <a16:creationId xmlns:a16="http://schemas.microsoft.com/office/drawing/2014/main" id="{9F59FA0E-61CB-F1A2-EA36-B5FDEAA050BC}"/>
-              </a:ext>
-            </a:extLst>
-          </p:cNvPr>
+          <p:cNvPr id="2" name="Title 1"/>
           <p:cNvSpPr>
             <a:spLocks noGrp="1"/>
           </p:cNvSpPr>
@@ -1262,19 +1106,13 @@
               <a:rPr lang="en-US"/>
               <a:t>Click to edit Master title style</a:t>
             </a:r>
-            <a:endParaRPr lang="nl-NL"/>
-          </a:p>
-        </p:txBody>
-      </p:sp>
-      <p:sp>
-        <p:nvSpPr>
-          <p:cNvPr id="3" name="Content Placeholder 2">
-            <a:extLst>
-              <a:ext uri="{FF2B5EF4-FFF2-40B4-BE49-F238E27FC236}">
-                <a16:creationId xmlns:a16="http://schemas.microsoft.com/office/drawing/2014/main" id="{EE95AA75-D470-294B-63FA-CDF31BBFE0E9}"/>
-              </a:ext>
-            </a:extLst>
-          </p:cNvPr>
+            <a:endParaRPr lang="en-US" dirty="0"/>
+          </a:p>
+        </p:txBody>
+      </p:sp>
+      <p:sp>
+        <p:nvSpPr>
+          <p:cNvPr id="3" name="Content Placeholder 2"/>
           <p:cNvSpPr>
             <a:spLocks noGrp="1"/>
           </p:cNvSpPr>
@@ -1284,8 +1122,8 @@
         </p:nvSpPr>
         <p:spPr>
           <a:xfrm>
-            <a:off x="838200" y="1825625"/>
-            <a:ext cx="5181600" cy="4351338"/>
+            <a:off x="668268" y="958453"/>
+            <a:ext cx="4131112" cy="2284452"/>
           </a:xfrm>
         </p:spPr>
         <p:txBody>
@@ -1325,19 +1163,13 @@
               <a:rPr lang="en-US"/>
               <a:t>Fifth level</a:t>
             </a:r>
-            <a:endParaRPr lang="nl-NL"/>
-          </a:p>
-        </p:txBody>
-      </p:sp>
-      <p:sp>
-        <p:nvSpPr>
-          <p:cNvPr id="4" name="Content Placeholder 3">
-            <a:extLst>
-              <a:ext uri="{FF2B5EF4-FFF2-40B4-BE49-F238E27FC236}">
-                <a16:creationId xmlns:a16="http://schemas.microsoft.com/office/drawing/2014/main" id="{11DC7B6D-82D6-CF92-2DA8-AFC9083483E2}"/>
-              </a:ext>
-            </a:extLst>
-          </p:cNvPr>
+            <a:endParaRPr lang="en-US" dirty="0"/>
+          </a:p>
+        </p:txBody>
+      </p:sp>
+      <p:sp>
+        <p:nvSpPr>
+          <p:cNvPr id="4" name="Content Placeholder 3"/>
           <p:cNvSpPr>
             <a:spLocks noGrp="1"/>
           </p:cNvSpPr>
@@ -1347,8 +1179,8 @@
         </p:nvSpPr>
         <p:spPr>
           <a:xfrm>
-            <a:off x="6172200" y="1825625"/>
-            <a:ext cx="5181600" cy="4351338"/>
+            <a:off x="4920883" y="958453"/>
+            <a:ext cx="4131112" cy="2284452"/>
           </a:xfrm>
         </p:spPr>
         <p:txBody>
@@ -1388,19 +1220,13 @@
               <a:rPr lang="en-US"/>
               <a:t>Fifth level</a:t>
             </a:r>
-            <a:endParaRPr lang="nl-NL"/>
-          </a:p>
-        </p:txBody>
-      </p:sp>
-      <p:sp>
-        <p:nvSpPr>
-          <p:cNvPr id="5" name="Date Placeholder 4">
-            <a:extLst>
-              <a:ext uri="{FF2B5EF4-FFF2-40B4-BE49-F238E27FC236}">
-                <a16:creationId xmlns:a16="http://schemas.microsoft.com/office/drawing/2014/main" id="{776E2C10-D9E2-EAA2-B994-132D40457DAD}"/>
-              </a:ext>
-            </a:extLst>
-          </p:cNvPr>
+            <a:endParaRPr lang="en-US" dirty="0"/>
+          </a:p>
+        </p:txBody>
+      </p:sp>
+      <p:sp>
+        <p:nvSpPr>
+          <p:cNvPr id="5" name="Date Placeholder 4"/>
           <p:cNvSpPr>
             <a:spLocks noGrp="1"/>
           </p:cNvSpPr>
@@ -1423,13 +1249,7 @@
       </p:sp>
       <p:sp>
         <p:nvSpPr>
-          <p:cNvPr id="6" name="Footer Placeholder 5">
-            <a:extLst>
-              <a:ext uri="{FF2B5EF4-FFF2-40B4-BE49-F238E27FC236}">
-                <a16:creationId xmlns:a16="http://schemas.microsoft.com/office/drawing/2014/main" id="{CDDD95B9-C566-5CC2-CD70-1DBAE54644B0}"/>
-              </a:ext>
-            </a:extLst>
-          </p:cNvPr>
+          <p:cNvPr id="6" name="Footer Placeholder 5"/>
           <p:cNvSpPr>
             <a:spLocks noGrp="1"/>
           </p:cNvSpPr>
@@ -1448,13 +1268,7 @@
       </p:sp>
       <p:sp>
         <p:nvSpPr>
-          <p:cNvPr id="7" name="Slide Number Placeholder 6">
-            <a:extLst>
-              <a:ext uri="{FF2B5EF4-FFF2-40B4-BE49-F238E27FC236}">
-                <a16:creationId xmlns:a16="http://schemas.microsoft.com/office/drawing/2014/main" id="{A7877609-A4EC-A6A3-B1F6-8DA4E746F91E}"/>
-              </a:ext>
-            </a:extLst>
-          </p:cNvPr>
+          <p:cNvPr id="7" name="Slide Number Placeholder 6"/>
           <p:cNvSpPr>
             <a:spLocks noGrp="1"/>
           </p:cNvSpPr>
@@ -1478,7 +1292,7 @@
     </p:spTree>
     <p:extLst>
       <p:ext uri="{BB962C8B-B14F-4D97-AF65-F5344CB8AC3E}">
-        <p14:creationId xmlns:p14="http://schemas.microsoft.com/office/powerpoint/2010/main" val="2884657002"/>
+        <p14:creationId xmlns:p14="http://schemas.microsoft.com/office/powerpoint/2010/main" val="1488957080"/>
       </p:ext>
     </p:extLst>
   </p:cSld>
@@ -1507,13 +1321,7 @@
       </p:grpSpPr>
       <p:sp>
         <p:nvSpPr>
-          <p:cNvPr id="2" name="Title 1">
-            <a:extLst>
-              <a:ext uri="{FF2B5EF4-FFF2-40B4-BE49-F238E27FC236}">
-                <a16:creationId xmlns:a16="http://schemas.microsoft.com/office/drawing/2014/main" id="{3E930693-A0F7-EA74-A2D5-44087BCD8F5E}"/>
-              </a:ext>
-            </a:extLst>
-          </p:cNvPr>
+          <p:cNvPr id="2" name="Title 1"/>
           <p:cNvSpPr>
             <a:spLocks noGrp="1"/>
           </p:cNvSpPr>
@@ -1523,8 +1331,8 @@
         </p:nvSpPr>
         <p:spPr>
           <a:xfrm>
-            <a:off x="839788" y="365125"/>
-            <a:ext cx="10515600" cy="1325563"/>
+            <a:off x="669534" y="191691"/>
+            <a:ext cx="8383727" cy="695921"/>
           </a:xfrm>
         </p:spPr>
         <p:txBody>
@@ -1535,19 +1343,13 @@
               <a:rPr lang="en-US"/>
               <a:t>Click to edit Master title style</a:t>
             </a:r>
-            <a:endParaRPr lang="nl-NL"/>
-          </a:p>
-        </p:txBody>
-      </p:sp>
-      <p:sp>
-        <p:nvSpPr>
-          <p:cNvPr id="3" name="Text Placeholder 2">
-            <a:extLst>
-              <a:ext uri="{FF2B5EF4-FFF2-40B4-BE49-F238E27FC236}">
-                <a16:creationId xmlns:a16="http://schemas.microsoft.com/office/drawing/2014/main" id="{12F05CA7-7F05-2591-3CD7-AE9A95B3613F}"/>
-              </a:ext>
-            </a:extLst>
-          </p:cNvPr>
+            <a:endParaRPr lang="en-US" dirty="0"/>
+          </a:p>
+        </p:txBody>
+      </p:sp>
+      <p:sp>
+        <p:nvSpPr>
+          <p:cNvPr id="3" name="Text Placeholder 2"/>
           <p:cNvSpPr>
             <a:spLocks noGrp="1"/>
           </p:cNvSpPr>
@@ -1557,8 +1359,8 @@
         </p:nvSpPr>
         <p:spPr>
           <a:xfrm>
-            <a:off x="839788" y="1681163"/>
-            <a:ext cx="5157787" cy="823912"/>
+            <a:off x="669535" y="882610"/>
+            <a:ext cx="4112126" cy="432554"/>
           </a:xfrm>
         </p:spPr>
         <p:txBody>
@@ -1566,39 +1368,39 @@
           <a:lstStyle>
             <a:lvl1pPr marL="0" indent="0">
               <a:buNone/>
-              <a:defRPr sz="2400" b="1"/>
+              <a:defRPr sz="1260" b="1"/>
             </a:lvl1pPr>
-            <a:lvl2pPr marL="457200" indent="0">
-              <a:buNone/>
-              <a:defRPr sz="2000" b="1"/>
+            <a:lvl2pPr marL="240030" indent="0">
+              <a:buNone/>
+              <a:defRPr sz="1050" b="1"/>
             </a:lvl2pPr>
-            <a:lvl3pPr marL="914400" indent="0">
-              <a:buNone/>
-              <a:defRPr sz="1800" b="1"/>
+            <a:lvl3pPr marL="480060" indent="0">
+              <a:buNone/>
+              <a:defRPr sz="945" b="1"/>
             </a:lvl3pPr>
-            <a:lvl4pPr marL="1371600" indent="0">
-              <a:buNone/>
-              <a:defRPr sz="1600" b="1"/>
+            <a:lvl4pPr marL="720090" indent="0">
+              <a:buNone/>
+              <a:defRPr sz="840" b="1"/>
             </a:lvl4pPr>
-            <a:lvl5pPr marL="1828800" indent="0">
-              <a:buNone/>
-              <a:defRPr sz="1600" b="1"/>
+            <a:lvl5pPr marL="960120" indent="0">
+              <a:buNone/>
+              <a:defRPr sz="840" b="1"/>
             </a:lvl5pPr>
-            <a:lvl6pPr marL="2286000" indent="0">
-              <a:buNone/>
-              <a:defRPr sz="1600" b="1"/>
+            <a:lvl6pPr marL="1200150" indent="0">
+              <a:buNone/>
+              <a:defRPr sz="840" b="1"/>
             </a:lvl6pPr>
-            <a:lvl7pPr marL="2743200" indent="0">
-              <a:buNone/>
-              <a:defRPr sz="1600" b="1"/>
+            <a:lvl7pPr marL="1440180" indent="0">
+              <a:buNone/>
+              <a:defRPr sz="840" b="1"/>
             </a:lvl7pPr>
-            <a:lvl8pPr marL="3200400" indent="0">
-              <a:buNone/>
-              <a:defRPr sz="1600" b="1"/>
+            <a:lvl8pPr marL="1680210" indent="0">
+              <a:buNone/>
+              <a:defRPr sz="840" b="1"/>
             </a:lvl8pPr>
-            <a:lvl9pPr marL="3657600" indent="0">
-              <a:buNone/>
-              <a:defRPr sz="1600" b="1"/>
+            <a:lvl9pPr marL="1920240" indent="0">
+              <a:buNone/>
+              <a:defRPr sz="840" b="1"/>
             </a:lvl9pPr>
           </a:lstStyle>
           <a:p>
@@ -1612,13 +1414,7 @@
       </p:sp>
       <p:sp>
         <p:nvSpPr>
-          <p:cNvPr id="4" name="Content Placeholder 3">
-            <a:extLst>
-              <a:ext uri="{FF2B5EF4-FFF2-40B4-BE49-F238E27FC236}">
-                <a16:creationId xmlns:a16="http://schemas.microsoft.com/office/drawing/2014/main" id="{F0B469F6-1A8C-70F4-EF36-BBD4FE50327E}"/>
-              </a:ext>
-            </a:extLst>
-          </p:cNvPr>
+          <p:cNvPr id="4" name="Content Placeholder 3"/>
           <p:cNvSpPr>
             <a:spLocks noGrp="1"/>
           </p:cNvSpPr>
@@ -1628,8 +1424,8 @@
         </p:nvSpPr>
         <p:spPr>
           <a:xfrm>
-            <a:off x="839788" y="2505075"/>
-            <a:ext cx="5157787" cy="3684588"/>
+            <a:off x="669535" y="1315164"/>
+            <a:ext cx="4112126" cy="1934409"/>
           </a:xfrm>
         </p:spPr>
         <p:txBody>
@@ -1669,19 +1465,13 @@
               <a:rPr lang="en-US"/>
               <a:t>Fifth level</a:t>
             </a:r>
-            <a:endParaRPr lang="nl-NL"/>
-          </a:p>
-        </p:txBody>
-      </p:sp>
-      <p:sp>
-        <p:nvSpPr>
-          <p:cNvPr id="5" name="Text Placeholder 4">
-            <a:extLst>
-              <a:ext uri="{FF2B5EF4-FFF2-40B4-BE49-F238E27FC236}">
-                <a16:creationId xmlns:a16="http://schemas.microsoft.com/office/drawing/2014/main" id="{B6E85624-5D09-FCD7-7F24-ABF66DAEEB2D}"/>
-              </a:ext>
-            </a:extLst>
-          </p:cNvPr>
+            <a:endParaRPr lang="en-US" dirty="0"/>
+          </a:p>
+        </p:txBody>
+      </p:sp>
+      <p:sp>
+        <p:nvSpPr>
+          <p:cNvPr id="5" name="Text Placeholder 4"/>
           <p:cNvSpPr>
             <a:spLocks noGrp="1"/>
           </p:cNvSpPr>
@@ -1691,8 +1481,8 @@
         </p:nvSpPr>
         <p:spPr>
           <a:xfrm>
-            <a:off x="6172200" y="1681163"/>
-            <a:ext cx="5183188" cy="823912"/>
+            <a:off x="4920883" y="882610"/>
+            <a:ext cx="4132378" cy="432554"/>
           </a:xfrm>
         </p:spPr>
         <p:txBody>
@@ -1700,39 +1490,39 @@
           <a:lstStyle>
             <a:lvl1pPr marL="0" indent="0">
               <a:buNone/>
-              <a:defRPr sz="2400" b="1"/>
+              <a:defRPr sz="1260" b="1"/>
             </a:lvl1pPr>
-            <a:lvl2pPr marL="457200" indent="0">
-              <a:buNone/>
-              <a:defRPr sz="2000" b="1"/>
+            <a:lvl2pPr marL="240030" indent="0">
+              <a:buNone/>
+              <a:defRPr sz="1050" b="1"/>
             </a:lvl2pPr>
-            <a:lvl3pPr marL="914400" indent="0">
-              <a:buNone/>
-              <a:defRPr sz="1800" b="1"/>
+            <a:lvl3pPr marL="480060" indent="0">
+              <a:buNone/>
+              <a:defRPr sz="945" b="1"/>
             </a:lvl3pPr>
-            <a:lvl4pPr marL="1371600" indent="0">
-              <a:buNone/>
-              <a:defRPr sz="1600" b="1"/>
+            <a:lvl4pPr marL="720090" indent="0">
+              <a:buNone/>
+              <a:defRPr sz="840" b="1"/>
             </a:lvl4pPr>
-            <a:lvl5pPr marL="1828800" indent="0">
-              <a:buNone/>
-              <a:defRPr sz="1600" b="1"/>
+            <a:lvl5pPr marL="960120" indent="0">
+              <a:buNone/>
+              <a:defRPr sz="840" b="1"/>
             </a:lvl5pPr>
-            <a:lvl6pPr marL="2286000" indent="0">
-              <a:buNone/>
-              <a:defRPr sz="1600" b="1"/>
+            <a:lvl6pPr marL="1200150" indent="0">
+              <a:buNone/>
+              <a:defRPr sz="840" b="1"/>
             </a:lvl6pPr>
-            <a:lvl7pPr marL="2743200" indent="0">
-              <a:buNone/>
-              <a:defRPr sz="1600" b="1"/>
+            <a:lvl7pPr marL="1440180" indent="0">
+              <a:buNone/>
+              <a:defRPr sz="840" b="1"/>
             </a:lvl7pPr>
-            <a:lvl8pPr marL="3200400" indent="0">
-              <a:buNone/>
-              <a:defRPr sz="1600" b="1"/>
+            <a:lvl8pPr marL="1680210" indent="0">
+              <a:buNone/>
+              <a:defRPr sz="840" b="1"/>
             </a:lvl8pPr>
-            <a:lvl9pPr marL="3657600" indent="0">
-              <a:buNone/>
-              <a:defRPr sz="1600" b="1"/>
+            <a:lvl9pPr marL="1920240" indent="0">
+              <a:buNone/>
+              <a:defRPr sz="840" b="1"/>
             </a:lvl9pPr>
           </a:lstStyle>
           <a:p>
@@ -1746,13 +1536,7 @@
       </p:sp>
       <p:sp>
         <p:nvSpPr>
-          <p:cNvPr id="6" name="Content Placeholder 5">
-            <a:extLst>
-              <a:ext uri="{FF2B5EF4-FFF2-40B4-BE49-F238E27FC236}">
-                <a16:creationId xmlns:a16="http://schemas.microsoft.com/office/drawing/2014/main" id="{673F4F26-0F0F-96CF-99BA-68772F38B728}"/>
-              </a:ext>
-            </a:extLst>
-          </p:cNvPr>
+          <p:cNvPr id="6" name="Content Placeholder 5"/>
           <p:cNvSpPr>
             <a:spLocks noGrp="1"/>
           </p:cNvSpPr>
@@ -1762,8 +1546,8 @@
         </p:nvSpPr>
         <p:spPr>
           <a:xfrm>
-            <a:off x="6172200" y="2505075"/>
-            <a:ext cx="5183188" cy="3684588"/>
+            <a:off x="4920883" y="1315164"/>
+            <a:ext cx="4132378" cy="1934409"/>
           </a:xfrm>
         </p:spPr>
         <p:txBody>
@@ -1803,19 +1587,13 @@
               <a:rPr lang="en-US"/>
               <a:t>Fifth level</a:t>
             </a:r>
-            <a:endParaRPr lang="nl-NL"/>
-          </a:p>
-        </p:txBody>
-      </p:sp>
-      <p:sp>
-        <p:nvSpPr>
-          <p:cNvPr id="7" name="Date Placeholder 6">
-            <a:extLst>
-              <a:ext uri="{FF2B5EF4-FFF2-40B4-BE49-F238E27FC236}">
-                <a16:creationId xmlns:a16="http://schemas.microsoft.com/office/drawing/2014/main" id="{889334C5-94F2-D83F-25AF-441A91525550}"/>
-              </a:ext>
-            </a:extLst>
-          </p:cNvPr>
+            <a:endParaRPr lang="en-US" dirty="0"/>
+          </a:p>
+        </p:txBody>
+      </p:sp>
+      <p:sp>
+        <p:nvSpPr>
+          <p:cNvPr id="7" name="Date Placeholder 6"/>
           <p:cNvSpPr>
             <a:spLocks noGrp="1"/>
           </p:cNvSpPr>
@@ -1838,13 +1616,7 @@
       </p:sp>
       <p:sp>
         <p:nvSpPr>
-          <p:cNvPr id="8" name="Footer Placeholder 7">
-            <a:extLst>
-              <a:ext uri="{FF2B5EF4-FFF2-40B4-BE49-F238E27FC236}">
-                <a16:creationId xmlns:a16="http://schemas.microsoft.com/office/drawing/2014/main" id="{B996EF75-9C7D-8439-3292-5D4638B1A979}"/>
-              </a:ext>
-            </a:extLst>
-          </p:cNvPr>
+          <p:cNvPr id="8" name="Footer Placeholder 7"/>
           <p:cNvSpPr>
             <a:spLocks noGrp="1"/>
           </p:cNvSpPr>
@@ -1863,13 +1635,7 @@
       </p:sp>
       <p:sp>
         <p:nvSpPr>
-          <p:cNvPr id="9" name="Slide Number Placeholder 8">
-            <a:extLst>
-              <a:ext uri="{FF2B5EF4-FFF2-40B4-BE49-F238E27FC236}">
-                <a16:creationId xmlns:a16="http://schemas.microsoft.com/office/drawing/2014/main" id="{FE60A327-15F8-F10E-599D-CEB362633FE0}"/>
-              </a:ext>
-            </a:extLst>
-          </p:cNvPr>
+          <p:cNvPr id="9" name="Slide Number Placeholder 8"/>
           <p:cNvSpPr>
             <a:spLocks noGrp="1"/>
           </p:cNvSpPr>
@@ -1893,7 +1659,7 @@
     </p:spTree>
     <p:extLst>
       <p:ext uri="{BB962C8B-B14F-4D97-AF65-F5344CB8AC3E}">
-        <p14:creationId xmlns:p14="http://schemas.microsoft.com/office/powerpoint/2010/main" val="2600747089"/>
+        <p14:creationId xmlns:p14="http://schemas.microsoft.com/office/powerpoint/2010/main" val="156447453"/>
       </p:ext>
     </p:extLst>
   </p:cSld>
@@ -1922,13 +1688,7 @@
       </p:grpSpPr>
       <p:sp>
         <p:nvSpPr>
-          <p:cNvPr id="2" name="Title 1">
-            <a:extLst>
-              <a:ext uri="{FF2B5EF4-FFF2-40B4-BE49-F238E27FC236}">
-                <a16:creationId xmlns:a16="http://schemas.microsoft.com/office/drawing/2014/main" id="{F1DA8F9A-BE7C-4996-181B-647192F52CFA}"/>
-              </a:ext>
-            </a:extLst>
-          </p:cNvPr>
+          <p:cNvPr id="2" name="Title 1"/>
           <p:cNvSpPr>
             <a:spLocks noGrp="1"/>
           </p:cNvSpPr>
@@ -1945,19 +1705,13 @@
               <a:rPr lang="en-US"/>
               <a:t>Click to edit Master title style</a:t>
             </a:r>
-            <a:endParaRPr lang="nl-NL"/>
-          </a:p>
-        </p:txBody>
-      </p:sp>
-      <p:sp>
-        <p:nvSpPr>
-          <p:cNvPr id="3" name="Date Placeholder 2">
-            <a:extLst>
-              <a:ext uri="{FF2B5EF4-FFF2-40B4-BE49-F238E27FC236}">
-                <a16:creationId xmlns:a16="http://schemas.microsoft.com/office/drawing/2014/main" id="{6E1A7DBF-6247-835D-E824-572D0409F675}"/>
-              </a:ext>
-            </a:extLst>
-          </p:cNvPr>
+            <a:endParaRPr lang="en-US" dirty="0"/>
+          </a:p>
+        </p:txBody>
+      </p:sp>
+      <p:sp>
+        <p:nvSpPr>
+          <p:cNvPr id="3" name="Date Placeholder 2"/>
           <p:cNvSpPr>
             <a:spLocks noGrp="1"/>
           </p:cNvSpPr>
@@ -1980,13 +1734,7 @@
       </p:sp>
       <p:sp>
         <p:nvSpPr>
-          <p:cNvPr id="4" name="Footer Placeholder 3">
-            <a:extLst>
-              <a:ext uri="{FF2B5EF4-FFF2-40B4-BE49-F238E27FC236}">
-                <a16:creationId xmlns:a16="http://schemas.microsoft.com/office/drawing/2014/main" id="{3FB04A1B-CAA3-7BA7-87BB-CF00079BD712}"/>
-              </a:ext>
-            </a:extLst>
-          </p:cNvPr>
+          <p:cNvPr id="4" name="Footer Placeholder 3"/>
           <p:cNvSpPr>
             <a:spLocks noGrp="1"/>
           </p:cNvSpPr>
@@ -2005,13 +1753,7 @@
       </p:sp>
       <p:sp>
         <p:nvSpPr>
-          <p:cNvPr id="5" name="Slide Number Placeholder 4">
-            <a:extLst>
-              <a:ext uri="{FF2B5EF4-FFF2-40B4-BE49-F238E27FC236}">
-                <a16:creationId xmlns:a16="http://schemas.microsoft.com/office/drawing/2014/main" id="{8EC02520-72CA-3643-67A5-7A4B3048AC47}"/>
-              </a:ext>
-            </a:extLst>
-          </p:cNvPr>
+          <p:cNvPr id="5" name="Slide Number Placeholder 4"/>
           <p:cNvSpPr>
             <a:spLocks noGrp="1"/>
           </p:cNvSpPr>
@@ -2035,7 +1777,7 @@
     </p:spTree>
     <p:extLst>
       <p:ext uri="{BB962C8B-B14F-4D97-AF65-F5344CB8AC3E}">
-        <p14:creationId xmlns:p14="http://schemas.microsoft.com/office/powerpoint/2010/main" val="141713139"/>
+        <p14:creationId xmlns:p14="http://schemas.microsoft.com/office/powerpoint/2010/main" val="53855580"/>
       </p:ext>
     </p:extLst>
   </p:cSld>
@@ -2064,13 +1806,7 @@
       </p:grpSpPr>
       <p:sp>
         <p:nvSpPr>
-          <p:cNvPr id="2" name="Date Placeholder 1">
-            <a:extLst>
-              <a:ext uri="{FF2B5EF4-FFF2-40B4-BE49-F238E27FC236}">
-                <a16:creationId xmlns:a16="http://schemas.microsoft.com/office/drawing/2014/main" id="{B0FF7256-3762-CF8D-B255-6F22ADB2A2D3}"/>
-              </a:ext>
-            </a:extLst>
-          </p:cNvPr>
+          <p:cNvPr id="2" name="Date Placeholder 1"/>
           <p:cNvSpPr>
             <a:spLocks noGrp="1"/>
           </p:cNvSpPr>
@@ -2093,13 +1829,7 @@
       </p:sp>
       <p:sp>
         <p:nvSpPr>
-          <p:cNvPr id="3" name="Footer Placeholder 2">
-            <a:extLst>
-              <a:ext uri="{FF2B5EF4-FFF2-40B4-BE49-F238E27FC236}">
-                <a16:creationId xmlns:a16="http://schemas.microsoft.com/office/drawing/2014/main" id="{0D7F575A-89BC-A250-219D-B3907D9F99DA}"/>
-              </a:ext>
-            </a:extLst>
-          </p:cNvPr>
+          <p:cNvPr id="3" name="Footer Placeholder 2"/>
           <p:cNvSpPr>
             <a:spLocks noGrp="1"/>
           </p:cNvSpPr>
@@ -2118,13 +1848,7 @@
       </p:sp>
       <p:sp>
         <p:nvSpPr>
-          <p:cNvPr id="4" name="Slide Number Placeholder 3">
-            <a:extLst>
-              <a:ext uri="{FF2B5EF4-FFF2-40B4-BE49-F238E27FC236}">
-                <a16:creationId xmlns:a16="http://schemas.microsoft.com/office/drawing/2014/main" id="{8BC6F8BF-6161-F1BC-BD37-9790071EFCEF}"/>
-              </a:ext>
-            </a:extLst>
-          </p:cNvPr>
+          <p:cNvPr id="4" name="Slide Number Placeholder 3"/>
           <p:cNvSpPr>
             <a:spLocks noGrp="1"/>
           </p:cNvSpPr>
@@ -2148,7 +1872,7 @@
     </p:spTree>
     <p:extLst>
       <p:ext uri="{BB962C8B-B14F-4D97-AF65-F5344CB8AC3E}">
-        <p14:creationId xmlns:p14="http://schemas.microsoft.com/office/powerpoint/2010/main" val="1718218583"/>
+        <p14:creationId xmlns:p14="http://schemas.microsoft.com/office/powerpoint/2010/main" val="2804291577"/>
       </p:ext>
     </p:extLst>
   </p:cSld>
@@ -2177,13 +1901,7 @@
       </p:grpSpPr>
       <p:sp>
         <p:nvSpPr>
-          <p:cNvPr id="2" name="Title 1">
-            <a:extLst>
-              <a:ext uri="{FF2B5EF4-FFF2-40B4-BE49-F238E27FC236}">
-                <a16:creationId xmlns:a16="http://schemas.microsoft.com/office/drawing/2014/main" id="{E3C0CFE5-53E3-3AED-D0F7-880242578F5F}"/>
-              </a:ext>
-            </a:extLst>
-          </p:cNvPr>
+          <p:cNvPr id="2" name="Title 1"/>
           <p:cNvSpPr>
             <a:spLocks noGrp="1"/>
           </p:cNvSpPr>
@@ -2193,15 +1911,15 @@
         </p:nvSpPr>
         <p:spPr>
           <a:xfrm>
-            <a:off x="839788" y="457200"/>
-            <a:ext cx="3932237" cy="1600200"/>
+            <a:off x="669534" y="240030"/>
+            <a:ext cx="3135038" cy="840105"/>
           </a:xfrm>
         </p:spPr>
         <p:txBody>
           <a:bodyPr anchor="b"/>
           <a:lstStyle>
             <a:lvl1pPr>
-              <a:defRPr sz="3200"/>
+              <a:defRPr sz="1680"/>
             </a:lvl1pPr>
           </a:lstStyle>
           <a:p>
@@ -2209,19 +1927,13 @@
               <a:rPr lang="en-US"/>
               <a:t>Click to edit Master title style</a:t>
             </a:r>
-            <a:endParaRPr lang="nl-NL"/>
-          </a:p>
-        </p:txBody>
-      </p:sp>
-      <p:sp>
-        <p:nvSpPr>
-          <p:cNvPr id="3" name="Content Placeholder 2">
-            <a:extLst>
-              <a:ext uri="{FF2B5EF4-FFF2-40B4-BE49-F238E27FC236}">
-                <a16:creationId xmlns:a16="http://schemas.microsoft.com/office/drawing/2014/main" id="{75FDE97F-DEA7-810A-93F7-21B8FA7E9ABB}"/>
-              </a:ext>
-            </a:extLst>
-          </p:cNvPr>
+            <a:endParaRPr lang="en-US" dirty="0"/>
+          </a:p>
+        </p:txBody>
+      </p:sp>
+      <p:sp>
+        <p:nvSpPr>
+          <p:cNvPr id="3" name="Content Placeholder 2"/>
           <p:cNvSpPr>
             <a:spLocks noGrp="1"/>
           </p:cNvSpPr>
@@ -2231,39 +1943,39 @@
         </p:nvSpPr>
         <p:spPr>
           <a:xfrm>
-            <a:off x="5183188" y="987425"/>
-            <a:ext cx="6172200" cy="4873625"/>
+            <a:off x="4132378" y="518398"/>
+            <a:ext cx="4920883" cy="2558653"/>
           </a:xfrm>
         </p:spPr>
         <p:txBody>
           <a:bodyPr/>
           <a:lstStyle>
             <a:lvl1pPr>
-              <a:defRPr sz="3200"/>
+              <a:defRPr sz="1680"/>
             </a:lvl1pPr>
             <a:lvl2pPr>
-              <a:defRPr sz="2800"/>
+              <a:defRPr sz="1470"/>
             </a:lvl2pPr>
             <a:lvl3pPr>
-              <a:defRPr sz="2400"/>
+              <a:defRPr sz="1260"/>
             </a:lvl3pPr>
             <a:lvl4pPr>
-              <a:defRPr sz="2000"/>
+              <a:defRPr sz="1050"/>
             </a:lvl4pPr>
             <a:lvl5pPr>
-              <a:defRPr sz="2000"/>
+              <a:defRPr sz="1050"/>
             </a:lvl5pPr>
             <a:lvl6pPr>
-              <a:defRPr sz="2000"/>
+              <a:defRPr sz="1050"/>
             </a:lvl6pPr>
             <a:lvl7pPr>
-              <a:defRPr sz="2000"/>
+              <a:defRPr sz="1050"/>
             </a:lvl7pPr>
             <a:lvl8pPr>
-              <a:defRPr sz="2000"/>
+              <a:defRPr sz="1050"/>
             </a:lvl8pPr>
             <a:lvl9pPr>
-              <a:defRPr sz="2000"/>
+              <a:defRPr sz="1050"/>
             </a:lvl9pPr>
           </a:lstStyle>
           <a:p>
@@ -2300,19 +2012,13 @@
               <a:rPr lang="en-US"/>
               <a:t>Fifth level</a:t>
             </a:r>
-            <a:endParaRPr lang="nl-NL"/>
-          </a:p>
-        </p:txBody>
-      </p:sp>
-      <p:sp>
-        <p:nvSpPr>
-          <p:cNvPr id="4" name="Text Placeholder 3">
-            <a:extLst>
-              <a:ext uri="{FF2B5EF4-FFF2-40B4-BE49-F238E27FC236}">
-                <a16:creationId xmlns:a16="http://schemas.microsoft.com/office/drawing/2014/main" id="{A94255D5-62B5-178F-FD00-652216F7B803}"/>
-              </a:ext>
-            </a:extLst>
-          </p:cNvPr>
+            <a:endParaRPr lang="en-US" dirty="0"/>
+          </a:p>
+        </p:txBody>
+      </p:sp>
+      <p:sp>
+        <p:nvSpPr>
+          <p:cNvPr id="4" name="Text Placeholder 3"/>
           <p:cNvSpPr>
             <a:spLocks noGrp="1"/>
           </p:cNvSpPr>
@@ -2322,8 +2028,8 @@
         </p:nvSpPr>
         <p:spPr>
           <a:xfrm>
-            <a:off x="839788" y="2057400"/>
-            <a:ext cx="3932237" cy="3811588"/>
+            <a:off x="669534" y="1080135"/>
+            <a:ext cx="3135038" cy="2001084"/>
           </a:xfrm>
         </p:spPr>
         <p:txBody>
@@ -2331,39 +2037,39 @@
           <a:lstStyle>
             <a:lvl1pPr marL="0" indent="0">
               <a:buNone/>
-              <a:defRPr sz="1600"/>
+              <a:defRPr sz="840"/>
             </a:lvl1pPr>
-            <a:lvl2pPr marL="457200" indent="0">
-              <a:buNone/>
-              <a:defRPr sz="1400"/>
+            <a:lvl2pPr marL="240030" indent="0">
+              <a:buNone/>
+              <a:defRPr sz="735"/>
             </a:lvl2pPr>
-            <a:lvl3pPr marL="914400" indent="0">
-              <a:buNone/>
-              <a:defRPr sz="1200"/>
+            <a:lvl3pPr marL="480060" indent="0">
+              <a:buNone/>
+              <a:defRPr sz="630"/>
             </a:lvl3pPr>
-            <a:lvl4pPr marL="1371600" indent="0">
-              <a:buNone/>
-              <a:defRPr sz="1000"/>
+            <a:lvl4pPr marL="720090" indent="0">
+              <a:buNone/>
+              <a:defRPr sz="525"/>
             </a:lvl4pPr>
-            <a:lvl5pPr marL="1828800" indent="0">
-              <a:buNone/>
-              <a:defRPr sz="1000"/>
+            <a:lvl5pPr marL="960120" indent="0">
+              <a:buNone/>
+              <a:defRPr sz="525"/>
             </a:lvl5pPr>
-            <a:lvl6pPr marL="2286000" indent="0">
-              <a:buNone/>
-              <a:defRPr sz="1000"/>
+            <a:lvl6pPr marL="1200150" indent="0">
+              <a:buNone/>
+              <a:defRPr sz="525"/>
             </a:lvl6pPr>
-            <a:lvl7pPr marL="2743200" indent="0">
-              <a:buNone/>
-              <a:defRPr sz="1000"/>
+            <a:lvl7pPr marL="1440180" indent="0">
+              <a:buNone/>
+              <a:defRPr sz="525"/>
             </a:lvl7pPr>
-            <a:lvl8pPr marL="3200400" indent="0">
-              <a:buNone/>
-              <a:defRPr sz="1000"/>
+            <a:lvl8pPr marL="1680210" indent="0">
+              <a:buNone/>
+              <a:defRPr sz="525"/>
             </a:lvl8pPr>
-            <a:lvl9pPr marL="3657600" indent="0">
-              <a:buNone/>
-              <a:defRPr sz="1000"/>
+            <a:lvl9pPr marL="1920240" indent="0">
+              <a:buNone/>
+              <a:defRPr sz="525"/>
             </a:lvl9pPr>
           </a:lstStyle>
           <a:p>
@@ -2377,13 +2083,7 @@
       </p:sp>
       <p:sp>
         <p:nvSpPr>
-          <p:cNvPr id="5" name="Date Placeholder 4">
-            <a:extLst>
-              <a:ext uri="{FF2B5EF4-FFF2-40B4-BE49-F238E27FC236}">
-                <a16:creationId xmlns:a16="http://schemas.microsoft.com/office/drawing/2014/main" id="{47F30A16-9CE0-5937-CBE7-FF024CA2363F}"/>
-              </a:ext>
-            </a:extLst>
-          </p:cNvPr>
+          <p:cNvPr id="5" name="Date Placeholder 4"/>
           <p:cNvSpPr>
             <a:spLocks noGrp="1"/>
           </p:cNvSpPr>
@@ -2406,13 +2106,7 @@
       </p:sp>
       <p:sp>
         <p:nvSpPr>
-          <p:cNvPr id="6" name="Footer Placeholder 5">
-            <a:extLst>
-              <a:ext uri="{FF2B5EF4-FFF2-40B4-BE49-F238E27FC236}">
-                <a16:creationId xmlns:a16="http://schemas.microsoft.com/office/drawing/2014/main" id="{33B3E22E-E0E2-351E-A321-355F03F25498}"/>
-              </a:ext>
-            </a:extLst>
-          </p:cNvPr>
+          <p:cNvPr id="6" name="Footer Placeholder 5"/>
           <p:cNvSpPr>
             <a:spLocks noGrp="1"/>
           </p:cNvSpPr>
@@ -2431,13 +2125,7 @@
       </p:sp>
       <p:sp>
         <p:nvSpPr>
-          <p:cNvPr id="7" name="Slide Number Placeholder 6">
-            <a:extLst>
-              <a:ext uri="{FF2B5EF4-FFF2-40B4-BE49-F238E27FC236}">
-                <a16:creationId xmlns:a16="http://schemas.microsoft.com/office/drawing/2014/main" id="{D7A0C545-8C29-A3BC-A0B8-9D69BC702B46}"/>
-              </a:ext>
-            </a:extLst>
-          </p:cNvPr>
+          <p:cNvPr id="7" name="Slide Number Placeholder 6"/>
           <p:cNvSpPr>
             <a:spLocks noGrp="1"/>
           </p:cNvSpPr>
@@ -2461,7 +2149,7 @@
     </p:spTree>
     <p:extLst>
       <p:ext uri="{BB962C8B-B14F-4D97-AF65-F5344CB8AC3E}">
-        <p14:creationId xmlns:p14="http://schemas.microsoft.com/office/powerpoint/2010/main" val="687012723"/>
+        <p14:creationId xmlns:p14="http://schemas.microsoft.com/office/powerpoint/2010/main" val="2273411433"/>
       </p:ext>
     </p:extLst>
   </p:cSld>
@@ -2490,13 +2178,7 @@
       </p:grpSpPr>
       <p:sp>
         <p:nvSpPr>
-          <p:cNvPr id="2" name="Title 1">
-            <a:extLst>
-              <a:ext uri="{FF2B5EF4-FFF2-40B4-BE49-F238E27FC236}">
-                <a16:creationId xmlns:a16="http://schemas.microsoft.com/office/drawing/2014/main" id="{4869E7A3-45B3-0D6B-F95C-DABA64B618C6}"/>
-              </a:ext>
-            </a:extLst>
-          </p:cNvPr>
+          <p:cNvPr id="2" name="Title 1"/>
           <p:cNvSpPr>
             <a:spLocks noGrp="1"/>
           </p:cNvSpPr>
@@ -2506,15 +2188,15 @@
         </p:nvSpPr>
         <p:spPr>
           <a:xfrm>
-            <a:off x="839788" y="457200"/>
-            <a:ext cx="3932237" cy="1600200"/>
+            <a:off x="669534" y="240030"/>
+            <a:ext cx="3135038" cy="840105"/>
           </a:xfrm>
         </p:spPr>
         <p:txBody>
           <a:bodyPr anchor="b"/>
           <a:lstStyle>
             <a:lvl1pPr>
-              <a:defRPr sz="3200"/>
+              <a:defRPr sz="1680"/>
             </a:lvl1pPr>
           </a:lstStyle>
           <a:p>
@@ -2522,21 +2204,15 @@
               <a:rPr lang="en-US"/>
               <a:t>Click to edit Master title style</a:t>
             </a:r>
-            <a:endParaRPr lang="nl-NL"/>
-          </a:p>
-        </p:txBody>
-      </p:sp>
-      <p:sp>
-        <p:nvSpPr>
-          <p:cNvPr id="3" name="Picture Placeholder 2">
-            <a:extLst>
-              <a:ext uri="{FF2B5EF4-FFF2-40B4-BE49-F238E27FC236}">
-                <a16:creationId xmlns:a16="http://schemas.microsoft.com/office/drawing/2014/main" id="{8AD4A502-085B-3BB9-8377-6D7CA22790CE}"/>
-              </a:ext>
-            </a:extLst>
-          </p:cNvPr>
-          <p:cNvSpPr>
-            <a:spLocks noGrp="1"/>
+            <a:endParaRPr lang="en-US" dirty="0"/>
+          </a:p>
+        </p:txBody>
+      </p:sp>
+      <p:sp>
+        <p:nvSpPr>
+          <p:cNvPr id="3" name="Picture Placeholder 2"/>
+          <p:cNvSpPr>
+            <a:spLocks noGrp="1" noChangeAspect="1"/>
           </p:cNvSpPr>
           <p:nvPr>
             <p:ph type="pic" idx="1"/>
@@ -2544,48 +2220,48 @@
         </p:nvSpPr>
         <p:spPr>
           <a:xfrm>
-            <a:off x="5183188" y="987425"/>
-            <a:ext cx="6172200" cy="4873625"/>
+            <a:off x="4132378" y="518398"/>
+            <a:ext cx="4920883" cy="2558653"/>
           </a:xfrm>
         </p:spPr>
         <p:txBody>
-          <a:bodyPr/>
+          <a:bodyPr anchor="t"/>
           <a:lstStyle>
             <a:lvl1pPr marL="0" indent="0">
               <a:buNone/>
-              <a:defRPr sz="3200"/>
+              <a:defRPr sz="1680"/>
             </a:lvl1pPr>
-            <a:lvl2pPr marL="457200" indent="0">
-              <a:buNone/>
-              <a:defRPr sz="2800"/>
+            <a:lvl2pPr marL="240030" indent="0">
+              <a:buNone/>
+              <a:defRPr sz="1470"/>
             </a:lvl2pPr>
-            <a:lvl3pPr marL="914400" indent="0">
-              <a:buNone/>
-              <a:defRPr sz="2400"/>
+            <a:lvl3pPr marL="480060" indent="0">
+              <a:buNone/>
+              <a:defRPr sz="1260"/>
             </a:lvl3pPr>
-            <a:lvl4pPr marL="1371600" indent="0">
-              <a:buNone/>
-              <a:defRPr sz="2000"/>
+            <a:lvl4pPr marL="720090" indent="0">
+              <a:buNone/>
+              <a:defRPr sz="1050"/>
             </a:lvl4pPr>
-            <a:lvl5pPr marL="1828800" indent="0">
-              <a:buNone/>
-              <a:defRPr sz="2000"/>
+            <a:lvl5pPr marL="960120" indent="0">
+              <a:buNone/>
+              <a:defRPr sz="1050"/>
             </a:lvl5pPr>
-            <a:lvl6pPr marL="2286000" indent="0">
-              <a:buNone/>
-              <a:defRPr sz="2000"/>
+            <a:lvl6pPr marL="1200150" indent="0">
+              <a:buNone/>
+              <a:defRPr sz="1050"/>
             </a:lvl6pPr>
-            <a:lvl7pPr marL="2743200" indent="0">
-              <a:buNone/>
-              <a:defRPr sz="2000"/>
+            <a:lvl7pPr marL="1440180" indent="0">
+              <a:buNone/>
+              <a:defRPr sz="1050"/>
             </a:lvl7pPr>
-            <a:lvl8pPr marL="3200400" indent="0">
-              <a:buNone/>
-              <a:defRPr sz="2000"/>
+            <a:lvl8pPr marL="1680210" indent="0">
+              <a:buNone/>
+              <a:defRPr sz="1050"/>
             </a:lvl8pPr>
-            <a:lvl9pPr marL="3657600" indent="0">
-              <a:buNone/>
-              <a:defRPr sz="2000"/>
+            <a:lvl9pPr marL="1920240" indent="0">
+              <a:buNone/>
+              <a:defRPr sz="1050"/>
             </a:lvl9pPr>
           </a:lstStyle>
           <a:p>
@@ -2593,19 +2269,13 @@
               <a:rPr lang="en-US"/>
               <a:t>Click icon to add picture</a:t>
             </a:r>
-            <a:endParaRPr lang="nl-NL"/>
-          </a:p>
-        </p:txBody>
-      </p:sp>
-      <p:sp>
-        <p:nvSpPr>
-          <p:cNvPr id="4" name="Text Placeholder 3">
-            <a:extLst>
-              <a:ext uri="{FF2B5EF4-FFF2-40B4-BE49-F238E27FC236}">
-                <a16:creationId xmlns:a16="http://schemas.microsoft.com/office/drawing/2014/main" id="{35372F4A-CEB4-1DC4-EBEA-EF37A07ECDEC}"/>
-              </a:ext>
-            </a:extLst>
-          </p:cNvPr>
+            <a:endParaRPr lang="en-US" dirty="0"/>
+          </a:p>
+        </p:txBody>
+      </p:sp>
+      <p:sp>
+        <p:nvSpPr>
+          <p:cNvPr id="4" name="Text Placeholder 3"/>
           <p:cNvSpPr>
             <a:spLocks noGrp="1"/>
           </p:cNvSpPr>
@@ -2615,8 +2285,8 @@
         </p:nvSpPr>
         <p:spPr>
           <a:xfrm>
-            <a:off x="839788" y="2057400"/>
-            <a:ext cx="3932237" cy="3811588"/>
+            <a:off x="669534" y="1080135"/>
+            <a:ext cx="3135038" cy="2001084"/>
           </a:xfrm>
         </p:spPr>
         <p:txBody>
@@ -2624,39 +2294,39 @@
           <a:lstStyle>
             <a:lvl1pPr marL="0" indent="0">
               <a:buNone/>
-              <a:defRPr sz="1600"/>
+              <a:defRPr sz="840"/>
             </a:lvl1pPr>
-            <a:lvl2pPr marL="457200" indent="0">
-              <a:buNone/>
-              <a:defRPr sz="1400"/>
+            <a:lvl2pPr marL="240030" indent="0">
+              <a:buNone/>
+              <a:defRPr sz="735"/>
             </a:lvl2pPr>
-            <a:lvl3pPr marL="914400" indent="0">
-              <a:buNone/>
-              <a:defRPr sz="1200"/>
+            <a:lvl3pPr marL="480060" indent="0">
+              <a:buNone/>
+              <a:defRPr sz="630"/>
             </a:lvl3pPr>
-            <a:lvl4pPr marL="1371600" indent="0">
-              <a:buNone/>
-              <a:defRPr sz="1000"/>
+            <a:lvl4pPr marL="720090" indent="0">
+              <a:buNone/>
+              <a:defRPr sz="525"/>
             </a:lvl4pPr>
-            <a:lvl5pPr marL="1828800" indent="0">
-              <a:buNone/>
-              <a:defRPr sz="1000"/>
+            <a:lvl5pPr marL="960120" indent="0">
+              <a:buNone/>
+              <a:defRPr sz="525"/>
             </a:lvl5pPr>
-            <a:lvl6pPr marL="2286000" indent="0">
-              <a:buNone/>
-              <a:defRPr sz="1000"/>
+            <a:lvl6pPr marL="1200150" indent="0">
+              <a:buNone/>
+              <a:defRPr sz="525"/>
             </a:lvl6pPr>
-            <a:lvl7pPr marL="2743200" indent="0">
-              <a:buNone/>
-              <a:defRPr sz="1000"/>
+            <a:lvl7pPr marL="1440180" indent="0">
+              <a:buNone/>
+              <a:defRPr sz="525"/>
             </a:lvl7pPr>
-            <a:lvl8pPr marL="3200400" indent="0">
-              <a:buNone/>
-              <a:defRPr sz="1000"/>
+            <a:lvl8pPr marL="1680210" indent="0">
+              <a:buNone/>
+              <a:defRPr sz="525"/>
             </a:lvl8pPr>
-            <a:lvl9pPr marL="3657600" indent="0">
-              <a:buNone/>
-              <a:defRPr sz="1000"/>
+            <a:lvl9pPr marL="1920240" indent="0">
+              <a:buNone/>
+              <a:defRPr sz="525"/>
             </a:lvl9pPr>
           </a:lstStyle>
           <a:p>
@@ -2670,13 +2340,7 @@
       </p:sp>
       <p:sp>
         <p:nvSpPr>
-          <p:cNvPr id="5" name="Date Placeholder 4">
-            <a:extLst>
-              <a:ext uri="{FF2B5EF4-FFF2-40B4-BE49-F238E27FC236}">
-                <a16:creationId xmlns:a16="http://schemas.microsoft.com/office/drawing/2014/main" id="{9CA92B0C-8370-1E4A-48D1-19CAABD1C421}"/>
-              </a:ext>
-            </a:extLst>
-          </p:cNvPr>
+          <p:cNvPr id="5" name="Date Placeholder 4"/>
           <p:cNvSpPr>
             <a:spLocks noGrp="1"/>
           </p:cNvSpPr>
@@ -2699,13 +2363,7 @@
       </p:sp>
       <p:sp>
         <p:nvSpPr>
-          <p:cNvPr id="6" name="Footer Placeholder 5">
-            <a:extLst>
-              <a:ext uri="{FF2B5EF4-FFF2-40B4-BE49-F238E27FC236}">
-                <a16:creationId xmlns:a16="http://schemas.microsoft.com/office/drawing/2014/main" id="{00074554-CF32-7EEA-4ABE-3F60CC57BE00}"/>
-              </a:ext>
-            </a:extLst>
-          </p:cNvPr>
+          <p:cNvPr id="6" name="Footer Placeholder 5"/>
           <p:cNvSpPr>
             <a:spLocks noGrp="1"/>
           </p:cNvSpPr>
@@ -2724,13 +2382,7 @@
       </p:sp>
       <p:sp>
         <p:nvSpPr>
-          <p:cNvPr id="7" name="Slide Number Placeholder 6">
-            <a:extLst>
-              <a:ext uri="{FF2B5EF4-FFF2-40B4-BE49-F238E27FC236}">
-                <a16:creationId xmlns:a16="http://schemas.microsoft.com/office/drawing/2014/main" id="{C886F73E-C334-184E-055E-4E4D22B93655}"/>
-              </a:ext>
-            </a:extLst>
-          </p:cNvPr>
+          <p:cNvPr id="7" name="Slide Number Placeholder 6"/>
           <p:cNvSpPr>
             <a:spLocks noGrp="1"/>
           </p:cNvSpPr>
@@ -2754,7 +2406,7 @@
     </p:spTree>
     <p:extLst>
       <p:ext uri="{BB962C8B-B14F-4D97-AF65-F5344CB8AC3E}">
-        <p14:creationId xmlns:p14="http://schemas.microsoft.com/office/powerpoint/2010/main" val="1039521961"/>
+        <p14:creationId xmlns:p14="http://schemas.microsoft.com/office/powerpoint/2010/main" val="808525301"/>
       </p:ext>
     </p:extLst>
   </p:cSld>
@@ -2788,13 +2440,7 @@
       </p:grpSpPr>
       <p:sp>
         <p:nvSpPr>
-          <p:cNvPr id="2" name="Title Placeholder 1">
-            <a:extLst>
-              <a:ext uri="{FF2B5EF4-FFF2-40B4-BE49-F238E27FC236}">
-                <a16:creationId xmlns:a16="http://schemas.microsoft.com/office/drawing/2014/main" id="{7246146C-2E37-031B-02EA-8CEE89F81F45}"/>
-              </a:ext>
-            </a:extLst>
-          </p:cNvPr>
+          <p:cNvPr id="2" name="Title Placeholder 1"/>
           <p:cNvSpPr>
             <a:spLocks noGrp="1"/>
           </p:cNvSpPr>
@@ -2804,8 +2450,8 @@
         </p:nvSpPr>
         <p:spPr>
           <a:xfrm>
-            <a:off x="838200" y="365125"/>
-            <a:ext cx="10515600" cy="1325563"/>
+            <a:off x="668268" y="191691"/>
+            <a:ext cx="8383727" cy="695921"/>
           </a:xfrm>
           <a:prstGeom prst="rect">
             <a:avLst/>
@@ -2821,19 +2467,13 @@
               <a:rPr lang="en-US"/>
               <a:t>Click to edit Master title style</a:t>
             </a:r>
-            <a:endParaRPr lang="nl-NL"/>
-          </a:p>
-        </p:txBody>
-      </p:sp>
-      <p:sp>
-        <p:nvSpPr>
-          <p:cNvPr id="3" name="Text Placeholder 2">
-            <a:extLst>
-              <a:ext uri="{FF2B5EF4-FFF2-40B4-BE49-F238E27FC236}">
-                <a16:creationId xmlns:a16="http://schemas.microsoft.com/office/drawing/2014/main" id="{80DFCD15-36F6-421C-B428-71B79CCBAD70}"/>
-              </a:ext>
-            </a:extLst>
-          </p:cNvPr>
+            <a:endParaRPr lang="en-US" dirty="0"/>
+          </a:p>
+        </p:txBody>
+      </p:sp>
+      <p:sp>
+        <p:nvSpPr>
+          <p:cNvPr id="3" name="Text Placeholder 2"/>
           <p:cNvSpPr>
             <a:spLocks noGrp="1"/>
           </p:cNvSpPr>
@@ -2843,8 +2483,8 @@
         </p:nvSpPr>
         <p:spPr>
           <a:xfrm>
-            <a:off x="838200" y="1825625"/>
-            <a:ext cx="10515600" cy="4351338"/>
+            <a:off x="668268" y="958453"/>
+            <a:ext cx="8383727" cy="2284452"/>
           </a:xfrm>
           <a:prstGeom prst="rect">
             <a:avLst/>
@@ -2889,19 +2529,13 @@
               <a:rPr lang="en-US"/>
               <a:t>Fifth level</a:t>
             </a:r>
-            <a:endParaRPr lang="nl-NL"/>
-          </a:p>
-        </p:txBody>
-      </p:sp>
-      <p:sp>
-        <p:nvSpPr>
-          <p:cNvPr id="4" name="Date Placeholder 3">
-            <a:extLst>
-              <a:ext uri="{FF2B5EF4-FFF2-40B4-BE49-F238E27FC236}">
-                <a16:creationId xmlns:a16="http://schemas.microsoft.com/office/drawing/2014/main" id="{C7EC9470-1086-BEC4-21C1-E67845DD377E}"/>
-              </a:ext>
-            </a:extLst>
-          </p:cNvPr>
+            <a:endParaRPr lang="en-US" dirty="0"/>
+          </a:p>
+        </p:txBody>
+      </p:sp>
+      <p:sp>
+        <p:nvSpPr>
+          <p:cNvPr id="4" name="Date Placeholder 3"/>
           <p:cNvSpPr>
             <a:spLocks noGrp="1"/>
           </p:cNvSpPr>
@@ -2911,8 +2545,8 @@
         </p:nvSpPr>
         <p:spPr>
           <a:xfrm>
-            <a:off x="838200" y="6356350"/>
-            <a:ext cx="2743200" cy="365125"/>
+            <a:off x="668268" y="3337084"/>
+            <a:ext cx="2187059" cy="191691"/>
           </a:xfrm>
           <a:prstGeom prst="rect">
             <a:avLst/>
@@ -2922,7 +2556,7 @@
           <a:bodyPr vert="horz" lIns="91440" tIns="45720" rIns="91440" bIns="45720" rtlCol="0" anchor="ctr"/>
           <a:lstStyle>
             <a:lvl1pPr algn="l">
-              <a:defRPr sz="1200">
+              <a:defRPr sz="630">
                 <a:solidFill>
                   <a:schemeClr val="tx1">
                     <a:tint val="75000"/>
@@ -2942,13 +2576,7 @@
       </p:sp>
       <p:sp>
         <p:nvSpPr>
-          <p:cNvPr id="5" name="Footer Placeholder 4">
-            <a:extLst>
-              <a:ext uri="{FF2B5EF4-FFF2-40B4-BE49-F238E27FC236}">
-                <a16:creationId xmlns:a16="http://schemas.microsoft.com/office/drawing/2014/main" id="{0E67618F-E3AE-AC00-0275-67B6F07BC27D}"/>
-              </a:ext>
-            </a:extLst>
-          </p:cNvPr>
+          <p:cNvPr id="5" name="Footer Placeholder 4"/>
           <p:cNvSpPr>
             <a:spLocks noGrp="1"/>
           </p:cNvSpPr>
@@ -2958,8 +2586,8 @@
         </p:nvSpPr>
         <p:spPr>
           <a:xfrm>
-            <a:off x="4038600" y="6356350"/>
-            <a:ext cx="4114800" cy="365125"/>
+            <a:off x="3219837" y="3337084"/>
+            <a:ext cx="3280589" cy="191691"/>
           </a:xfrm>
           <a:prstGeom prst="rect">
             <a:avLst/>
@@ -2969,7 +2597,7 @@
           <a:bodyPr vert="horz" lIns="91440" tIns="45720" rIns="91440" bIns="45720" rtlCol="0" anchor="ctr"/>
           <a:lstStyle>
             <a:lvl1pPr algn="ctr">
-              <a:defRPr sz="1200">
+              <a:defRPr sz="630">
                 <a:solidFill>
                   <a:schemeClr val="tx1">
                     <a:tint val="75000"/>
@@ -2985,13 +2613,7 @@
       </p:sp>
       <p:sp>
         <p:nvSpPr>
-          <p:cNvPr id="6" name="Slide Number Placeholder 5">
-            <a:extLst>
-              <a:ext uri="{FF2B5EF4-FFF2-40B4-BE49-F238E27FC236}">
-                <a16:creationId xmlns:a16="http://schemas.microsoft.com/office/drawing/2014/main" id="{29CB3E44-F4E6-8E96-2EDE-1E3DCD75BD49}"/>
-              </a:ext>
-            </a:extLst>
-          </p:cNvPr>
+          <p:cNvPr id="6" name="Slide Number Placeholder 5"/>
           <p:cNvSpPr>
             <a:spLocks noGrp="1"/>
           </p:cNvSpPr>
@@ -3001,8 +2623,8 @@
         </p:nvSpPr>
         <p:spPr>
           <a:xfrm>
-            <a:off x="8610600" y="6356350"/>
-            <a:ext cx="2743200" cy="365125"/>
+            <a:off x="6864936" y="3337084"/>
+            <a:ext cx="2187059" cy="191691"/>
           </a:xfrm>
           <a:prstGeom prst="rect">
             <a:avLst/>
@@ -3012,7 +2634,7 @@
           <a:bodyPr vert="horz" lIns="91440" tIns="45720" rIns="91440" bIns="45720" rtlCol="0" anchor="ctr"/>
           <a:lstStyle>
             <a:lvl1pPr algn="r">
-              <a:defRPr sz="1200">
+              <a:defRPr sz="630">
                 <a:solidFill>
                   <a:schemeClr val="tx1">
                     <a:tint val="75000"/>
@@ -3033,27 +2655,27 @@
     </p:spTree>
     <p:extLst>
       <p:ext uri="{BB962C8B-B14F-4D97-AF65-F5344CB8AC3E}">
-        <p14:creationId xmlns:p14="http://schemas.microsoft.com/office/powerpoint/2010/main" val="1084315942"/>
+        <p14:creationId xmlns:p14="http://schemas.microsoft.com/office/powerpoint/2010/main" val="1187421507"/>
       </p:ext>
     </p:extLst>
   </p:cSld>
   <p:clrMap bg1="lt1" tx1="dk1" bg2="lt2" tx2="dk2" accent1="accent1" accent2="accent2" accent3="accent3" accent4="accent4" accent5="accent5" accent6="accent6" hlink="hlink" folHlink="folHlink"/>
   <p:sldLayoutIdLst>
-    <p:sldLayoutId id="2147483649" r:id="rId1"/>
-    <p:sldLayoutId id="2147483650" r:id="rId2"/>
-    <p:sldLayoutId id="2147483651" r:id="rId3"/>
-    <p:sldLayoutId id="2147483652" r:id="rId4"/>
-    <p:sldLayoutId id="2147483653" r:id="rId5"/>
-    <p:sldLayoutId id="2147483654" r:id="rId6"/>
-    <p:sldLayoutId id="2147483655" r:id="rId7"/>
-    <p:sldLayoutId id="2147483656" r:id="rId8"/>
-    <p:sldLayoutId id="2147483657" r:id="rId9"/>
-    <p:sldLayoutId id="2147483658" r:id="rId10"/>
-    <p:sldLayoutId id="2147483659" r:id="rId11"/>
+    <p:sldLayoutId id="2147483673" r:id="rId1"/>
+    <p:sldLayoutId id="2147483674" r:id="rId2"/>
+    <p:sldLayoutId id="2147483675" r:id="rId3"/>
+    <p:sldLayoutId id="2147483676" r:id="rId4"/>
+    <p:sldLayoutId id="2147483677" r:id="rId5"/>
+    <p:sldLayoutId id="2147483678" r:id="rId6"/>
+    <p:sldLayoutId id="2147483679" r:id="rId7"/>
+    <p:sldLayoutId id="2147483680" r:id="rId8"/>
+    <p:sldLayoutId id="2147483681" r:id="rId9"/>
+    <p:sldLayoutId id="2147483682" r:id="rId10"/>
+    <p:sldLayoutId id="2147483683" r:id="rId11"/>
   </p:sldLayoutIdLst>
   <p:txStyles>
     <p:titleStyle>
-      <a:lvl1pPr algn="l" defTabSz="914400" rtl="0" eaLnBrk="1" latinLnBrk="0" hangingPunct="1">
+      <a:lvl1pPr algn="l" defTabSz="480060" rtl="0" eaLnBrk="1" latinLnBrk="0" hangingPunct="1">
         <a:lnSpc>
           <a:spcPct val="90000"/>
         </a:lnSpc>
@@ -3061,7 +2683,7 @@
           <a:spcPct val="0"/>
         </a:spcBef>
         <a:buNone/>
-        <a:defRPr sz="4400" kern="1200">
+        <a:defRPr sz="2310" kern="1200">
           <a:solidFill>
             <a:schemeClr val="tx1"/>
           </a:solidFill>
@@ -3072,16 +2694,16 @@
       </a:lvl1pPr>
     </p:titleStyle>
     <p:bodyStyle>
-      <a:lvl1pPr marL="228600" indent="-228600" algn="l" defTabSz="914400" rtl="0" eaLnBrk="1" latinLnBrk="0" hangingPunct="1">
+      <a:lvl1pPr marL="120015" indent="-120015" algn="l" defTabSz="480060" rtl="0" eaLnBrk="1" latinLnBrk="0" hangingPunct="1">
         <a:lnSpc>
           <a:spcPct val="90000"/>
         </a:lnSpc>
         <a:spcBef>
-          <a:spcPts val="1000"/>
+          <a:spcPts val="525"/>
         </a:spcBef>
         <a:buFont typeface="Arial" panose="020B0604020202020204" pitchFamily="34" charset="0"/>
         <a:buChar char="•"/>
-        <a:defRPr sz="2800" kern="1200">
+        <a:defRPr sz="1470" kern="1200">
           <a:solidFill>
             <a:schemeClr val="tx1"/>
           </a:solidFill>
@@ -3090,16 +2712,16 @@
           <a:cs typeface="+mn-cs"/>
         </a:defRPr>
       </a:lvl1pPr>
-      <a:lvl2pPr marL="685800" indent="-228600" algn="l" defTabSz="914400" rtl="0" eaLnBrk="1" latinLnBrk="0" hangingPunct="1">
+      <a:lvl2pPr marL="360045" indent="-120015" algn="l" defTabSz="480060" rtl="0" eaLnBrk="1" latinLnBrk="0" hangingPunct="1">
         <a:lnSpc>
           <a:spcPct val="90000"/>
         </a:lnSpc>
         <a:spcBef>
-          <a:spcPts val="500"/>
+          <a:spcPts val="263"/>
         </a:spcBef>
         <a:buFont typeface="Arial" panose="020B0604020202020204" pitchFamily="34" charset="0"/>
         <a:buChar char="•"/>
-        <a:defRPr sz="2400" kern="1200">
+        <a:defRPr sz="1260" kern="1200">
           <a:solidFill>
             <a:schemeClr val="tx1"/>
           </a:solidFill>
@@ -3108,16 +2730,16 @@
           <a:cs typeface="+mn-cs"/>
         </a:defRPr>
       </a:lvl2pPr>
-      <a:lvl3pPr marL="1143000" indent="-228600" algn="l" defTabSz="914400" rtl="0" eaLnBrk="1" latinLnBrk="0" hangingPunct="1">
+      <a:lvl3pPr marL="600075" indent="-120015" algn="l" defTabSz="480060" rtl="0" eaLnBrk="1" latinLnBrk="0" hangingPunct="1">
         <a:lnSpc>
           <a:spcPct val="90000"/>
         </a:lnSpc>
         <a:spcBef>
-          <a:spcPts val="500"/>
+          <a:spcPts val="263"/>
         </a:spcBef>
         <a:buFont typeface="Arial" panose="020B0604020202020204" pitchFamily="34" charset="0"/>
         <a:buChar char="•"/>
-        <a:defRPr sz="2000" kern="1200">
+        <a:defRPr sz="1050" kern="1200">
           <a:solidFill>
             <a:schemeClr val="tx1"/>
           </a:solidFill>
@@ -3126,16 +2748,16 @@
           <a:cs typeface="+mn-cs"/>
         </a:defRPr>
       </a:lvl3pPr>
-      <a:lvl4pPr marL="1600200" indent="-228600" algn="l" defTabSz="914400" rtl="0" eaLnBrk="1" latinLnBrk="0" hangingPunct="1">
+      <a:lvl4pPr marL="840105" indent="-120015" algn="l" defTabSz="480060" rtl="0" eaLnBrk="1" latinLnBrk="0" hangingPunct="1">
         <a:lnSpc>
           <a:spcPct val="90000"/>
         </a:lnSpc>
         <a:spcBef>
-          <a:spcPts val="500"/>
+          <a:spcPts val="263"/>
         </a:spcBef>
         <a:buFont typeface="Arial" panose="020B0604020202020204" pitchFamily="34" charset="0"/>
         <a:buChar char="•"/>
-        <a:defRPr sz="1800" kern="1200">
+        <a:defRPr sz="945" kern="1200">
           <a:solidFill>
             <a:schemeClr val="tx1"/>
           </a:solidFill>
@@ -3144,16 +2766,16 @@
           <a:cs typeface="+mn-cs"/>
         </a:defRPr>
       </a:lvl4pPr>
-      <a:lvl5pPr marL="2057400" indent="-228600" algn="l" defTabSz="914400" rtl="0" eaLnBrk="1" latinLnBrk="0" hangingPunct="1">
+      <a:lvl5pPr marL="1080135" indent="-120015" algn="l" defTabSz="480060" rtl="0" eaLnBrk="1" latinLnBrk="0" hangingPunct="1">
         <a:lnSpc>
           <a:spcPct val="90000"/>
         </a:lnSpc>
         <a:spcBef>
-          <a:spcPts val="500"/>
+          <a:spcPts val="263"/>
         </a:spcBef>
         <a:buFont typeface="Arial" panose="020B0604020202020204" pitchFamily="34" charset="0"/>
         <a:buChar char="•"/>
-        <a:defRPr sz="1800" kern="1200">
+        <a:defRPr sz="945" kern="1200">
           <a:solidFill>
             <a:schemeClr val="tx1"/>
           </a:solidFill>
@@ -3162,16 +2784,16 @@
           <a:cs typeface="+mn-cs"/>
         </a:defRPr>
       </a:lvl5pPr>
-      <a:lvl6pPr marL="2514600" indent="-228600" algn="l" defTabSz="914400" rtl="0" eaLnBrk="1" latinLnBrk="0" hangingPunct="1">
+      <a:lvl6pPr marL="1320165" indent="-120015" algn="l" defTabSz="480060" rtl="0" eaLnBrk="1" latinLnBrk="0" hangingPunct="1">
         <a:lnSpc>
           <a:spcPct val="90000"/>
         </a:lnSpc>
         <a:spcBef>
-          <a:spcPts val="500"/>
+          <a:spcPts val="263"/>
         </a:spcBef>
         <a:buFont typeface="Arial" panose="020B0604020202020204" pitchFamily="34" charset="0"/>
         <a:buChar char="•"/>
-        <a:defRPr sz="1800" kern="1200">
+        <a:defRPr sz="945" kern="1200">
           <a:solidFill>
             <a:schemeClr val="tx1"/>
           </a:solidFill>
@@ -3180,16 +2802,16 @@
           <a:cs typeface="+mn-cs"/>
         </a:defRPr>
       </a:lvl6pPr>
-      <a:lvl7pPr marL="2971800" indent="-228600" algn="l" defTabSz="914400" rtl="0" eaLnBrk="1" latinLnBrk="0" hangingPunct="1">
+      <a:lvl7pPr marL="1560195" indent="-120015" algn="l" defTabSz="480060" rtl="0" eaLnBrk="1" latinLnBrk="0" hangingPunct="1">
         <a:lnSpc>
           <a:spcPct val="90000"/>
         </a:lnSpc>
         <a:spcBef>
-          <a:spcPts val="500"/>
+          <a:spcPts val="263"/>
         </a:spcBef>
         <a:buFont typeface="Arial" panose="020B0604020202020204" pitchFamily="34" charset="0"/>
         <a:buChar char="•"/>
-        <a:defRPr sz="1800" kern="1200">
+        <a:defRPr sz="945" kern="1200">
           <a:solidFill>
             <a:schemeClr val="tx1"/>
           </a:solidFill>
@@ -3198,16 +2820,16 @@
           <a:cs typeface="+mn-cs"/>
         </a:defRPr>
       </a:lvl7pPr>
-      <a:lvl8pPr marL="3429000" indent="-228600" algn="l" defTabSz="914400" rtl="0" eaLnBrk="1" latinLnBrk="0" hangingPunct="1">
+      <a:lvl8pPr marL="1800225" indent="-120015" algn="l" defTabSz="480060" rtl="0" eaLnBrk="1" latinLnBrk="0" hangingPunct="1">
         <a:lnSpc>
           <a:spcPct val="90000"/>
         </a:lnSpc>
         <a:spcBef>
-          <a:spcPts val="500"/>
+          <a:spcPts val="263"/>
         </a:spcBef>
         <a:buFont typeface="Arial" panose="020B0604020202020204" pitchFamily="34" charset="0"/>
         <a:buChar char="•"/>
-        <a:defRPr sz="1800" kern="1200">
+        <a:defRPr sz="945" kern="1200">
           <a:solidFill>
             <a:schemeClr val="tx1"/>
           </a:solidFill>
@@ -3216,16 +2838,16 @@
           <a:cs typeface="+mn-cs"/>
         </a:defRPr>
       </a:lvl8pPr>
-      <a:lvl9pPr marL="3886200" indent="-228600" algn="l" defTabSz="914400" rtl="0" eaLnBrk="1" latinLnBrk="0" hangingPunct="1">
+      <a:lvl9pPr marL="2040255" indent="-120015" algn="l" defTabSz="480060" rtl="0" eaLnBrk="1" latinLnBrk="0" hangingPunct="1">
         <a:lnSpc>
           <a:spcPct val="90000"/>
         </a:lnSpc>
         <a:spcBef>
-          <a:spcPts val="500"/>
+          <a:spcPts val="263"/>
         </a:spcBef>
         <a:buFont typeface="Arial" panose="020B0604020202020204" pitchFamily="34" charset="0"/>
         <a:buChar char="•"/>
-        <a:defRPr sz="1800" kern="1200">
+        <a:defRPr sz="945" kern="1200">
           <a:solidFill>
             <a:schemeClr val="tx1"/>
           </a:solidFill>
@@ -3237,10 +2859,10 @@
     </p:bodyStyle>
     <p:otherStyle>
       <a:defPPr>
-        <a:defRPr lang="nl-NL"/>
+        <a:defRPr lang="en-US"/>
       </a:defPPr>
-      <a:lvl1pPr marL="0" algn="l" defTabSz="914400" rtl="0" eaLnBrk="1" latinLnBrk="0" hangingPunct="1">
-        <a:defRPr sz="1800" kern="1200">
+      <a:lvl1pPr marL="0" algn="l" defTabSz="480060" rtl="0" eaLnBrk="1" latinLnBrk="0" hangingPunct="1">
+        <a:defRPr sz="945" kern="1200">
           <a:solidFill>
             <a:schemeClr val="tx1"/>
           </a:solidFill>
@@ -3249,8 +2871,8 @@
           <a:cs typeface="+mn-cs"/>
         </a:defRPr>
       </a:lvl1pPr>
-      <a:lvl2pPr marL="457200" algn="l" defTabSz="914400" rtl="0" eaLnBrk="1" latinLnBrk="0" hangingPunct="1">
-        <a:defRPr sz="1800" kern="1200">
+      <a:lvl2pPr marL="240030" algn="l" defTabSz="480060" rtl="0" eaLnBrk="1" latinLnBrk="0" hangingPunct="1">
+        <a:defRPr sz="945" kern="1200">
           <a:solidFill>
             <a:schemeClr val="tx1"/>
           </a:solidFill>
@@ -3259,8 +2881,8 @@
           <a:cs typeface="+mn-cs"/>
         </a:defRPr>
       </a:lvl2pPr>
-      <a:lvl3pPr marL="914400" algn="l" defTabSz="914400" rtl="0" eaLnBrk="1" latinLnBrk="0" hangingPunct="1">
-        <a:defRPr sz="1800" kern="1200">
+      <a:lvl3pPr marL="480060" algn="l" defTabSz="480060" rtl="0" eaLnBrk="1" latinLnBrk="0" hangingPunct="1">
+        <a:defRPr sz="945" kern="1200">
           <a:solidFill>
             <a:schemeClr val="tx1"/>
           </a:solidFill>
@@ -3269,8 +2891,8 @@
           <a:cs typeface="+mn-cs"/>
         </a:defRPr>
       </a:lvl3pPr>
-      <a:lvl4pPr marL="1371600" algn="l" defTabSz="914400" rtl="0" eaLnBrk="1" latinLnBrk="0" hangingPunct="1">
-        <a:defRPr sz="1800" kern="1200">
+      <a:lvl4pPr marL="720090" algn="l" defTabSz="480060" rtl="0" eaLnBrk="1" latinLnBrk="0" hangingPunct="1">
+        <a:defRPr sz="945" kern="1200">
           <a:solidFill>
             <a:schemeClr val="tx1"/>
           </a:solidFill>
@@ -3279,8 +2901,8 @@
           <a:cs typeface="+mn-cs"/>
         </a:defRPr>
       </a:lvl4pPr>
-      <a:lvl5pPr marL="1828800" algn="l" defTabSz="914400" rtl="0" eaLnBrk="1" latinLnBrk="0" hangingPunct="1">
-        <a:defRPr sz="1800" kern="1200">
+      <a:lvl5pPr marL="960120" algn="l" defTabSz="480060" rtl="0" eaLnBrk="1" latinLnBrk="0" hangingPunct="1">
+        <a:defRPr sz="945" kern="1200">
           <a:solidFill>
             <a:schemeClr val="tx1"/>
           </a:solidFill>
@@ -3289,8 +2911,8 @@
           <a:cs typeface="+mn-cs"/>
         </a:defRPr>
       </a:lvl5pPr>
-      <a:lvl6pPr marL="2286000" algn="l" defTabSz="914400" rtl="0" eaLnBrk="1" latinLnBrk="0" hangingPunct="1">
-        <a:defRPr sz="1800" kern="1200">
+      <a:lvl6pPr marL="1200150" algn="l" defTabSz="480060" rtl="0" eaLnBrk="1" latinLnBrk="0" hangingPunct="1">
+        <a:defRPr sz="945" kern="1200">
           <a:solidFill>
             <a:schemeClr val="tx1"/>
           </a:solidFill>
@@ -3299,8 +2921,8 @@
           <a:cs typeface="+mn-cs"/>
         </a:defRPr>
       </a:lvl6pPr>
-      <a:lvl7pPr marL="2743200" algn="l" defTabSz="914400" rtl="0" eaLnBrk="1" latinLnBrk="0" hangingPunct="1">
-        <a:defRPr sz="1800" kern="1200">
+      <a:lvl7pPr marL="1440180" algn="l" defTabSz="480060" rtl="0" eaLnBrk="1" latinLnBrk="0" hangingPunct="1">
+        <a:defRPr sz="945" kern="1200">
           <a:solidFill>
             <a:schemeClr val="tx1"/>
           </a:solidFill>
@@ -3309,8 +2931,8 @@
           <a:cs typeface="+mn-cs"/>
         </a:defRPr>
       </a:lvl7pPr>
-      <a:lvl8pPr marL="3200400" algn="l" defTabSz="914400" rtl="0" eaLnBrk="1" latinLnBrk="0" hangingPunct="1">
-        <a:defRPr sz="1800" kern="1200">
+      <a:lvl8pPr marL="1680210" algn="l" defTabSz="480060" rtl="0" eaLnBrk="1" latinLnBrk="0" hangingPunct="1">
+        <a:defRPr sz="945" kern="1200">
           <a:solidFill>
             <a:schemeClr val="tx1"/>
           </a:solidFill>
@@ -3319,8 +2941,8 @@
           <a:cs typeface="+mn-cs"/>
         </a:defRPr>
       </a:lvl8pPr>
-      <a:lvl9pPr marL="3657600" algn="l" defTabSz="914400" rtl="0" eaLnBrk="1" latinLnBrk="0" hangingPunct="1">
-        <a:defRPr sz="1800" kern="1200">
+      <a:lvl9pPr marL="1920240" algn="l" defTabSz="480060" rtl="0" eaLnBrk="1" latinLnBrk="0" hangingPunct="1">
+        <a:defRPr sz="945" kern="1200">
           <a:solidFill>
             <a:schemeClr val="tx1"/>
           </a:solidFill>
@@ -3365,7 +2987,7 @@
         </p:nvSpPr>
         <p:spPr>
           <a:xfrm>
-            <a:off x="2061166" y="2844225"/>
+            <a:off x="825297" y="1215452"/>
             <a:ext cx="2161860" cy="584775"/>
           </a:xfrm>
           <a:prstGeom prst="rect">
@@ -3407,7 +3029,7 @@
         </p:nvSpPr>
         <p:spPr>
           <a:xfrm>
-            <a:off x="4223026" y="3021555"/>
+            <a:off x="2987159" y="1392780"/>
             <a:ext cx="704911" cy="230114"/>
           </a:xfrm>
           <a:prstGeom prst="rightArrow">
@@ -3456,7 +3078,7 @@
         </p:nvSpPr>
         <p:spPr>
           <a:xfrm>
-            <a:off x="4927937" y="2831524"/>
+            <a:off x="3692070" y="1202751"/>
             <a:ext cx="2184063" cy="584775"/>
           </a:xfrm>
           <a:prstGeom prst="rect">
@@ -3498,7 +3120,7 @@
         </p:nvSpPr>
         <p:spPr>
           <a:xfrm>
-            <a:off x="7830161" y="2844225"/>
+            <a:off x="6594292" y="1215452"/>
             <a:ext cx="2206266" cy="584775"/>
           </a:xfrm>
           <a:prstGeom prst="rect">
@@ -3540,7 +3162,7 @@
         </p:nvSpPr>
         <p:spPr>
           <a:xfrm>
-            <a:off x="7118625" y="3026300"/>
+            <a:off x="5882758" y="1397525"/>
             <a:ext cx="704911" cy="230114"/>
           </a:xfrm>
           <a:prstGeom prst="rightArrow">
@@ -3592,7 +3214,7 @@
         </p:nvCxnSpPr>
         <p:spPr>
           <a:xfrm rot="16200000" flipH="1">
-            <a:off x="6037695" y="533401"/>
+            <a:off x="4801826" y="-1095374"/>
             <a:ext cx="12700" cy="5791198"/>
           </a:xfrm>
           <a:prstGeom prst="bentConnector3">
@@ -3636,7 +3258,7 @@
         </p:nvSpPr>
         <p:spPr>
           <a:xfrm>
-            <a:off x="4927936" y="4207161"/>
+            <a:off x="3692069" y="2578388"/>
             <a:ext cx="2184063" cy="584775"/>
           </a:xfrm>
           <a:prstGeom prst="rect">
@@ -3681,7 +3303,7 @@
 <file path=ppt/theme/theme1.xml><?xml version="1.0" encoding="utf-8"?>
 <a:theme xmlns:a="http://schemas.openxmlformats.org/drawingml/2006/main" name="Office Theme">
   <a:themeElements>
-    <a:clrScheme name="Office">
+    <a:clrScheme name="Office Theme">
       <a:dk1>
         <a:sysClr val="windowText" lastClr="000000"/>
       </a:dk1>
@@ -3719,7 +3341,7 @@
         <a:srgbClr val="954F72"/>
       </a:folHlink>
     </a:clrScheme>
-    <a:fontScheme name="Office">
+    <a:fontScheme name="Office Theme">
       <a:majorFont>
         <a:latin typeface="Calibri Light" panose="020F0302020204030204"/>
         <a:ea typeface=""/>
@@ -3754,23 +3376,6 @@
         <a:font script="Viet" typeface="Times New Roman"/>
         <a:font script="Uigh" typeface="Microsoft Uighur"/>
         <a:font script="Geor" typeface="Sylfaen"/>
-        <a:font script="Armn" typeface="Arial"/>
-        <a:font script="Bugi" typeface="Leelawadee UI"/>
-        <a:font script="Bopo" typeface="Microsoft JhengHei"/>
-        <a:font script="Java" typeface="Javanese Text"/>
-        <a:font script="Lisu" typeface="Segoe UI"/>
-        <a:font script="Mymr" typeface="Myanmar Text"/>
-        <a:font script="Nkoo" typeface="Ebrima"/>
-        <a:font script="Olck" typeface="Nirmala UI"/>
-        <a:font script="Osma" typeface="Ebrima"/>
-        <a:font script="Phag" typeface="Phagspa"/>
-        <a:font script="Syrn" typeface="Estrangelo Edessa"/>
-        <a:font script="Syrj" typeface="Estrangelo Edessa"/>
-        <a:font script="Syre" typeface="Estrangelo Edessa"/>
-        <a:font script="Sora" typeface="Nirmala UI"/>
-        <a:font script="Tale" typeface="Microsoft Tai Le"/>
-        <a:font script="Talu" typeface="Microsoft New Tai Lue"/>
-        <a:font script="Tfng" typeface="Ebrima"/>
       </a:majorFont>
       <a:minorFont>
         <a:latin typeface="Calibri" panose="020F0502020204030204"/>
@@ -3806,26 +3411,9 @@
         <a:font script="Viet" typeface="Arial"/>
         <a:font script="Uigh" typeface="Microsoft Uighur"/>
         <a:font script="Geor" typeface="Sylfaen"/>
-        <a:font script="Armn" typeface="Arial"/>
-        <a:font script="Bugi" typeface="Leelawadee UI"/>
-        <a:font script="Bopo" typeface="Microsoft JhengHei"/>
-        <a:font script="Java" typeface="Javanese Text"/>
-        <a:font script="Lisu" typeface="Segoe UI"/>
-        <a:font script="Mymr" typeface="Myanmar Text"/>
-        <a:font script="Nkoo" typeface="Ebrima"/>
-        <a:font script="Olck" typeface="Nirmala UI"/>
-        <a:font script="Osma" typeface="Ebrima"/>
-        <a:font script="Phag" typeface="Phagspa"/>
-        <a:font script="Syrn" typeface="Estrangelo Edessa"/>
-        <a:font script="Syrj" typeface="Estrangelo Edessa"/>
-        <a:font script="Syre" typeface="Estrangelo Edessa"/>
-        <a:font script="Sora" typeface="Nirmala UI"/>
-        <a:font script="Tale" typeface="Microsoft Tai Le"/>
-        <a:font script="Talu" typeface="Microsoft New Tai Lue"/>
-        <a:font script="Tfng" typeface="Ebrima"/>
       </a:minorFont>
     </a:fontScheme>
-    <a:fmtScheme name="Office">
+    <a:fmtScheme name="Office Theme">
       <a:fillStyleLst>
         <a:solidFill>
           <a:schemeClr val="phClr"/>
@@ -3967,7 +3555,7 @@
   <a:extraClrSchemeLst/>
   <a:extLst>
     <a:ext uri="{05A4C25C-085E-4340-85A3-A5531E510DB2}">
-      <thm15:themeFamily xmlns:thm15="http://schemas.microsoft.com/office/thememl/2012/main" name="Office Theme" id="{62F939B6-93AF-4DB8-9C6B-D6C7DFDC589F}" vid="{4A3C46E8-61CC-4603-A589-7422A47A8E4A}"/>
+      <thm15:themeFamily xmlns:thm15="http://schemas.microsoft.com/office/thememl/2012/main" name="Office Theme 2013 - 2022" id="{62F939B6-93AF-4DB8-9C6B-D6C7DFDC589F}" vid="{4A3C46E8-61CC-4603-A589-7422A47A8E4A}"/>
     </a:ext>
   </a:extLst>
 </a:theme>
